--- a/Lecture/Cybersecurity_for_national_Defense_23_2/리눅스 명령어.pptx
+++ b/Lecture/Cybersecurity_for_national_Defense_23_2/리눅스 명령어.pptx
@@ -25,6 +25,8 @@
     <p:sldId id="604" r:id="rId19"/>
     <p:sldId id="612" r:id="rId20"/>
     <p:sldId id="613" r:id="rId21"/>
+    <p:sldId id="602" r:id="rId22"/>
+    <p:sldId id="616" r:id="rId23"/>
   </p:sldIdLst>
   <p:sldSz cx="12192000" cy="6858000"/>
   <p:notesSz cx="6858000" cy="9144000"/>
@@ -123,6 +125,11 @@
       </a:defRPr>
     </a:lvl9pPr>
   </p:defaultTextStyle>
+  <p:extLst>
+    <p:ext uri="{EFAFB233-063F-42B5-8137-9DF3F51BA10A}">
+      <p15:sldGuideLst xmlns:p15="http://schemas.microsoft.com/office/powerpoint/2012/main"/>
+    </p:ext>
+  </p:extLst>
 </p:presentation>
 </file>
 
@@ -273,7 +280,7 @@
           <a:p>
             <a:fld id="{69DDAD4B-961F-4F29-9BDF-3C702BD27C9C}" type="datetimeFigureOut">
               <a:rPr lang="ko-KR" altLang="en-US" smtClean="0"/>
-              <a:t>2023-08-29</a:t>
+              <a:t>2023-10-10</a:t>
             </a:fld>
             <a:endParaRPr lang="ko-KR" altLang="en-US"/>
           </a:p>
@@ -471,7 +478,7 @@
           <a:p>
             <a:fld id="{69DDAD4B-961F-4F29-9BDF-3C702BD27C9C}" type="datetimeFigureOut">
               <a:rPr lang="ko-KR" altLang="en-US" smtClean="0"/>
-              <a:t>2023-08-29</a:t>
+              <a:t>2023-10-10</a:t>
             </a:fld>
             <a:endParaRPr lang="ko-KR" altLang="en-US"/>
           </a:p>
@@ -679,7 +686,7 @@
           <a:p>
             <a:fld id="{69DDAD4B-961F-4F29-9BDF-3C702BD27C9C}" type="datetimeFigureOut">
               <a:rPr lang="ko-KR" altLang="en-US" smtClean="0"/>
-              <a:t>2023-08-29</a:t>
+              <a:t>2023-10-10</a:t>
             </a:fld>
             <a:endParaRPr lang="ko-KR" altLang="en-US"/>
           </a:p>
@@ -877,7 +884,7 @@
           <a:p>
             <a:fld id="{69DDAD4B-961F-4F29-9BDF-3C702BD27C9C}" type="datetimeFigureOut">
               <a:rPr lang="ko-KR" altLang="en-US" smtClean="0"/>
-              <a:t>2023-08-29</a:t>
+              <a:t>2023-10-10</a:t>
             </a:fld>
             <a:endParaRPr lang="ko-KR" altLang="en-US"/>
           </a:p>
@@ -1152,7 +1159,7 @@
           <a:p>
             <a:fld id="{69DDAD4B-961F-4F29-9BDF-3C702BD27C9C}" type="datetimeFigureOut">
               <a:rPr lang="ko-KR" altLang="en-US" smtClean="0"/>
-              <a:t>2023-08-29</a:t>
+              <a:t>2023-10-10</a:t>
             </a:fld>
             <a:endParaRPr lang="ko-KR" altLang="en-US"/>
           </a:p>
@@ -1417,7 +1424,7 @@
           <a:p>
             <a:fld id="{69DDAD4B-961F-4F29-9BDF-3C702BD27C9C}" type="datetimeFigureOut">
               <a:rPr lang="ko-KR" altLang="en-US" smtClean="0"/>
-              <a:t>2023-08-29</a:t>
+              <a:t>2023-10-10</a:t>
             </a:fld>
             <a:endParaRPr lang="ko-KR" altLang="en-US"/>
           </a:p>
@@ -1829,7 +1836,7 @@
           <a:p>
             <a:fld id="{69DDAD4B-961F-4F29-9BDF-3C702BD27C9C}" type="datetimeFigureOut">
               <a:rPr lang="ko-KR" altLang="en-US" smtClean="0"/>
-              <a:t>2023-08-29</a:t>
+              <a:t>2023-10-10</a:t>
             </a:fld>
             <a:endParaRPr lang="ko-KR" altLang="en-US"/>
           </a:p>
@@ -1970,7 +1977,7 @@
           <a:p>
             <a:fld id="{69DDAD4B-961F-4F29-9BDF-3C702BD27C9C}" type="datetimeFigureOut">
               <a:rPr lang="ko-KR" altLang="en-US" smtClean="0"/>
-              <a:t>2023-08-29</a:t>
+              <a:t>2023-10-10</a:t>
             </a:fld>
             <a:endParaRPr lang="ko-KR" altLang="en-US"/>
           </a:p>
@@ -2083,7 +2090,7 @@
           <a:p>
             <a:fld id="{69DDAD4B-961F-4F29-9BDF-3C702BD27C9C}" type="datetimeFigureOut">
               <a:rPr lang="ko-KR" altLang="en-US" smtClean="0"/>
-              <a:t>2023-08-29</a:t>
+              <a:t>2023-10-10</a:t>
             </a:fld>
             <a:endParaRPr lang="ko-KR" altLang="en-US"/>
           </a:p>
@@ -2394,7 +2401,7 @@
           <a:p>
             <a:fld id="{69DDAD4B-961F-4F29-9BDF-3C702BD27C9C}" type="datetimeFigureOut">
               <a:rPr lang="ko-KR" altLang="en-US" smtClean="0"/>
-              <a:t>2023-08-29</a:t>
+              <a:t>2023-10-10</a:t>
             </a:fld>
             <a:endParaRPr lang="ko-KR" altLang="en-US"/>
           </a:p>
@@ -2682,7 +2689,7 @@
           <a:p>
             <a:fld id="{69DDAD4B-961F-4F29-9BDF-3C702BD27C9C}" type="datetimeFigureOut">
               <a:rPr lang="ko-KR" altLang="en-US" smtClean="0"/>
-              <a:t>2023-08-29</a:t>
+              <a:t>2023-10-10</a:t>
             </a:fld>
             <a:endParaRPr lang="ko-KR" altLang="en-US"/>
           </a:p>
@@ -2923,7 +2930,7 @@
           <a:p>
             <a:fld id="{69DDAD4B-961F-4F29-9BDF-3C702BD27C9C}" type="datetimeFigureOut">
               <a:rPr lang="ko-KR" altLang="en-US" smtClean="0"/>
-              <a:t>2023-08-29</a:t>
+              <a:t>2023-10-10</a:t>
             </a:fld>
             <a:endParaRPr lang="ko-KR" altLang="en-US"/>
           </a:p>
@@ -32293,6 +32300,3453 @@
 </p:sld>
 </file>
 
+<file path=ppt/slides/slide21.xml><?xml version="1.0" encoding="utf-8"?>
+<p:sld xmlns:a="http://schemas.openxmlformats.org/drawingml/2006/main" xmlns:r="http://schemas.openxmlformats.org/officeDocument/2006/relationships" xmlns:p="http://schemas.openxmlformats.org/presentationml/2006/main">
+  <p:cSld>
+    <p:spTree>
+      <p:nvGrpSpPr>
+        <p:cNvPr id="1" name=""/>
+        <p:cNvGrpSpPr/>
+        <p:nvPr/>
+      </p:nvGrpSpPr>
+      <p:grpSpPr>
+        <a:xfrm>
+          <a:off x="0" y="0"/>
+          <a:ext cx="0" cy="0"/>
+          <a:chOff x="0" y="0"/>
+          <a:chExt cx="0" cy="0"/>
+        </a:xfrm>
+      </p:grpSpPr>
+      <p:sp>
+        <p:nvSpPr>
+          <p:cNvPr id="2" name="제목 1">
+            <a:extLst>
+              <a:ext uri="{FF2B5EF4-FFF2-40B4-BE49-F238E27FC236}">
+                <a16:creationId xmlns:a16="http://schemas.microsoft.com/office/drawing/2014/main" id="{25E60E50-7DA3-41F4-B92E-B8A0C30C592F}"/>
+              </a:ext>
+            </a:extLst>
+          </p:cNvPr>
+          <p:cNvSpPr>
+            <a:spLocks noGrp="1"/>
+          </p:cNvSpPr>
+          <p:nvPr>
+            <p:ph type="title"/>
+          </p:nvPr>
+        </p:nvSpPr>
+        <p:spPr/>
+        <p:txBody>
+          <a:bodyPr>
+            <a:normAutofit/>
+          </a:bodyPr>
+          <a:lstStyle/>
+          <a:p>
+            <a:pPr>
+              <a:lnSpc>
+                <a:spcPct val="100000"/>
+              </a:lnSpc>
+            </a:pPr>
+            <a:r>
+              <a:rPr lang="en-US" altLang="ko-KR" sz="2000" b="1" dirty="0">
+                <a:solidFill>
+                  <a:schemeClr val="bg1">
+                    <a:lumMod val="65000"/>
+                  </a:schemeClr>
+                </a:solidFill>
+              </a:rPr>
+              <a:t>/Theory/T2/22</a:t>
+            </a:r>
+            <a:br>
+              <a:rPr lang="en-US" altLang="ko-KR" dirty="0"/>
+            </a:br>
+            <a:r>
+              <a:rPr lang="en-US" altLang="ko-KR" dirty="0"/>
+              <a:t> </a:t>
+            </a:r>
+            <a:r>
+              <a:rPr lang="en-US" altLang="ko-KR" sz="4400" kern="0" spc="0" dirty="0">
+                <a:solidFill>
+                  <a:srgbClr val="000000"/>
+                </a:solidFill>
+                <a:effectLst/>
+                <a:latin typeface="함초롬바탕" panose="02030604000101010101" pitchFamily="18" charset="-127"/>
+              </a:rPr>
+              <a:t># vi : </a:t>
+            </a:r>
+            <a:r>
+              <a:rPr lang="ko-KR" altLang="en-US" sz="4400" kern="0" spc="0" dirty="0">
+                <a:solidFill>
+                  <a:srgbClr val="000000"/>
+                </a:solidFill>
+                <a:effectLst/>
+                <a:latin typeface="함초롬바탕" panose="02030604000101010101" pitchFamily="18" charset="-127"/>
+              </a:rPr>
+              <a:t>리눅스 기본 편집기</a:t>
+            </a:r>
+            <a:endParaRPr lang="ko-KR" altLang="en-US" dirty="0"/>
+          </a:p>
+        </p:txBody>
+      </p:sp>
+      <p:grpSp>
+        <p:nvGrpSpPr>
+          <p:cNvPr id="17" name="그룹 16">
+            <a:extLst>
+              <a:ext uri="{FF2B5EF4-FFF2-40B4-BE49-F238E27FC236}">
+                <a16:creationId xmlns:a16="http://schemas.microsoft.com/office/drawing/2014/main" id="{76AF6558-568E-4777-99D4-A4F9B13500B7}"/>
+              </a:ext>
+            </a:extLst>
+          </p:cNvPr>
+          <p:cNvGrpSpPr/>
+          <p:nvPr/>
+        </p:nvGrpSpPr>
+        <p:grpSpPr>
+          <a:xfrm>
+            <a:off x="838198" y="1690688"/>
+            <a:ext cx="5109376" cy="4940700"/>
+            <a:chOff x="1196835" y="1885839"/>
+            <a:chExt cx="3919993" cy="4134678"/>
+          </a:xfrm>
+        </p:grpSpPr>
+        <p:sp>
+          <p:nvSpPr>
+            <p:cNvPr id="12" name="사각형: 둥근 모서리 11">
+              <a:extLst>
+                <a:ext uri="{FF2B5EF4-FFF2-40B4-BE49-F238E27FC236}">
+                  <a16:creationId xmlns:a16="http://schemas.microsoft.com/office/drawing/2014/main" id="{60AC1EEE-5520-419D-B63B-801AA0EA6ADA}"/>
+                </a:ext>
+              </a:extLst>
+            </p:cNvPr>
+            <p:cNvSpPr/>
+            <p:nvPr/>
+          </p:nvSpPr>
+          <p:spPr>
+            <a:xfrm>
+              <a:off x="1196835" y="1885839"/>
+              <a:ext cx="3919993" cy="4134678"/>
+            </a:xfrm>
+            <a:prstGeom prst="roundRect">
+              <a:avLst>
+                <a:gd name="adj" fmla="val 957"/>
+              </a:avLst>
+            </a:prstGeom>
+            <a:noFill/>
+            <a:ln w="0" cap="rnd">
+              <a:solidFill>
+                <a:schemeClr val="bg1">
+                  <a:lumMod val="85000"/>
+                </a:schemeClr>
+              </a:solidFill>
+              <a:round/>
+            </a:ln>
+          </p:spPr>
+          <p:style>
+            <a:lnRef idx="2">
+              <a:schemeClr val="accent1">
+                <a:shade val="50000"/>
+              </a:schemeClr>
+            </a:lnRef>
+            <a:fillRef idx="1">
+              <a:schemeClr val="accent1"/>
+            </a:fillRef>
+            <a:effectRef idx="0">
+              <a:schemeClr val="accent1"/>
+            </a:effectRef>
+            <a:fontRef idx="minor">
+              <a:schemeClr val="lt1"/>
+            </a:fontRef>
+          </p:style>
+          <p:txBody>
+            <a:bodyPr rtlCol="0" anchor="ctr"/>
+            <a:lstStyle/>
+            <a:p>
+              <a:endParaRPr lang="ko-KR" altLang="en-US" dirty="0">
+                <a:solidFill>
+                  <a:schemeClr val="accent5">
+                    <a:lumMod val="75000"/>
+                  </a:schemeClr>
+                </a:solidFill>
+              </a:endParaRPr>
+            </a:p>
+          </p:txBody>
+        </p:sp>
+        <p:sp>
+          <p:nvSpPr>
+            <p:cNvPr id="16" name="TextBox 15">
+              <a:extLst>
+                <a:ext uri="{FF2B5EF4-FFF2-40B4-BE49-F238E27FC236}">
+                  <a16:creationId xmlns:a16="http://schemas.microsoft.com/office/drawing/2014/main" id="{76BAFEAF-1F5B-4B04-BB6F-31FB49C724CE}"/>
+                </a:ext>
+              </a:extLst>
+            </p:cNvPr>
+            <p:cNvSpPr txBox="1"/>
+            <p:nvPr/>
+          </p:nvSpPr>
+          <p:spPr>
+            <a:xfrm>
+              <a:off x="1196835" y="1885839"/>
+              <a:ext cx="3919993" cy="3821638"/>
+            </a:xfrm>
+            <a:prstGeom prst="rect">
+              <a:avLst/>
+            </a:prstGeom>
+            <a:noFill/>
+          </p:spPr>
+          <p:txBody>
+            <a:bodyPr wrap="square" rtlCol="0">
+              <a:spAutoFit/>
+            </a:bodyPr>
+            <a:lstStyle/>
+            <a:p>
+              <a:pPr>
+                <a:lnSpc>
+                  <a:spcPct val="140000"/>
+                </a:lnSpc>
+              </a:pPr>
+              <a:r>
+                <a:rPr lang="en-US" altLang="ko-KR" sz="1100" dirty="0">
+                  <a:solidFill>
+                    <a:srgbClr val="2E75B6"/>
+                  </a:solidFill>
+                </a:rPr>
+                <a:t>[</a:t>
+              </a:r>
+              <a:r>
+                <a:rPr lang="en-US" altLang="ko-KR" sz="1100" dirty="0" err="1">
+                  <a:solidFill>
+                    <a:srgbClr val="2E75B6"/>
+                  </a:solidFill>
+                </a:rPr>
+                <a:t>root@localhost</a:t>
+              </a:r>
+              <a:r>
+                <a:rPr lang="en-US" altLang="ko-KR" sz="1100" dirty="0">
+                  <a:solidFill>
+                    <a:srgbClr val="2E75B6"/>
+                  </a:solidFill>
+                </a:rPr>
+                <a:t> ~]# </a:t>
+              </a:r>
+              <a:r>
+                <a:rPr lang="en-US" altLang="ko-KR" sz="1100" dirty="0" err="1">
+                  <a:solidFill>
+                    <a:srgbClr val="2E75B6"/>
+                  </a:solidFill>
+                </a:rPr>
+                <a:t>mkdir</a:t>
+              </a:r>
+              <a:r>
+                <a:rPr lang="en-US" altLang="ko-KR" sz="1100" dirty="0">
+                  <a:solidFill>
+                    <a:srgbClr val="2E75B6"/>
+                  </a:solidFill>
+                </a:rPr>
+                <a:t> test </a:t>
+              </a:r>
+            </a:p>
+            <a:p>
+              <a:pPr>
+                <a:lnSpc>
+                  <a:spcPct val="140000"/>
+                </a:lnSpc>
+              </a:pPr>
+              <a:r>
+                <a:rPr lang="en-US" altLang="ko-KR" sz="1100" dirty="0">
+                  <a:solidFill>
+                    <a:srgbClr val="2E75B6"/>
+                  </a:solidFill>
+                </a:rPr>
+                <a:t>[</a:t>
+              </a:r>
+              <a:r>
+                <a:rPr lang="en-US" altLang="ko-KR" sz="1100" dirty="0" err="1">
+                  <a:solidFill>
+                    <a:srgbClr val="2E75B6"/>
+                  </a:solidFill>
+                </a:rPr>
+                <a:t>root@localhost</a:t>
+              </a:r>
+              <a:r>
+                <a:rPr lang="en-US" altLang="ko-KR" sz="1100" dirty="0">
+                  <a:solidFill>
+                    <a:srgbClr val="2E75B6"/>
+                  </a:solidFill>
+                </a:rPr>
+                <a:t> ~]# cd test</a:t>
+              </a:r>
+            </a:p>
+            <a:p>
+              <a:pPr>
+                <a:lnSpc>
+                  <a:spcPct val="140000"/>
+                </a:lnSpc>
+              </a:pPr>
+              <a:r>
+                <a:rPr lang="en-US" altLang="ko-KR" sz="1100" dirty="0">
+                  <a:solidFill>
+                    <a:srgbClr val="2E75B6"/>
+                  </a:solidFill>
+                </a:rPr>
+                <a:t>[</a:t>
+              </a:r>
+              <a:r>
+                <a:rPr lang="en-US" altLang="ko-KR" sz="1100" dirty="0" err="1">
+                  <a:solidFill>
+                    <a:srgbClr val="2E75B6"/>
+                  </a:solidFill>
+                </a:rPr>
+                <a:t>root@localhost</a:t>
+              </a:r>
+              <a:r>
+                <a:rPr lang="en-US" altLang="ko-KR" sz="1100" dirty="0">
+                  <a:solidFill>
+                    <a:srgbClr val="2E75B6"/>
+                  </a:solidFill>
+                </a:rPr>
+                <a:t> test]# touch </a:t>
+              </a:r>
+              <a:r>
+                <a:rPr lang="en-US" altLang="ko-KR" sz="1100" dirty="0" err="1">
+                  <a:solidFill>
+                    <a:srgbClr val="2E75B6"/>
+                  </a:solidFill>
+                </a:rPr>
+                <a:t>vitest</a:t>
+              </a:r>
+              <a:r>
+                <a:rPr lang="en-US" altLang="ko-KR" sz="1100" dirty="0">
+                  <a:solidFill>
+                    <a:srgbClr val="2E75B6"/>
+                  </a:solidFill>
+                </a:rPr>
+                <a:t> </a:t>
+              </a:r>
+            </a:p>
+            <a:p>
+              <a:pPr>
+                <a:lnSpc>
+                  <a:spcPct val="140000"/>
+                </a:lnSpc>
+              </a:pPr>
+              <a:r>
+                <a:rPr lang="en-US" altLang="ko-KR" sz="1100" dirty="0">
+                  <a:solidFill>
+                    <a:srgbClr val="2E75B6"/>
+                  </a:solidFill>
+                </a:rPr>
+                <a:t>[</a:t>
+              </a:r>
+              <a:r>
+                <a:rPr lang="en-US" altLang="ko-KR" sz="1100" dirty="0" err="1">
+                  <a:solidFill>
+                    <a:srgbClr val="2E75B6"/>
+                  </a:solidFill>
+                </a:rPr>
+                <a:t>root@localhost</a:t>
+              </a:r>
+              <a:r>
+                <a:rPr lang="en-US" altLang="ko-KR" sz="1100" dirty="0">
+                  <a:solidFill>
+                    <a:srgbClr val="2E75B6"/>
+                  </a:solidFill>
+                </a:rPr>
+                <a:t> test]# vi </a:t>
+              </a:r>
+              <a:r>
+                <a:rPr lang="en-US" altLang="ko-KR" sz="1100" dirty="0" err="1">
+                  <a:solidFill>
+                    <a:srgbClr val="2E75B6"/>
+                  </a:solidFill>
+                </a:rPr>
+                <a:t>vitest</a:t>
+              </a:r>
+              <a:endParaRPr lang="en-US" altLang="ko-KR" sz="1100" dirty="0">
+                <a:solidFill>
+                  <a:srgbClr val="2E75B6"/>
+                </a:solidFill>
+              </a:endParaRPr>
+            </a:p>
+            <a:p>
+              <a:pPr>
+                <a:lnSpc>
+                  <a:spcPct val="140000"/>
+                </a:lnSpc>
+              </a:pPr>
+              <a:endParaRPr lang="en-US" altLang="ko-KR" sz="1100" dirty="0"/>
+            </a:p>
+            <a:p>
+              <a:pPr>
+                <a:lnSpc>
+                  <a:spcPct val="140000"/>
+                </a:lnSpc>
+              </a:pPr>
+              <a:endParaRPr lang="en-US" altLang="ko-KR" sz="1100" dirty="0"/>
+            </a:p>
+            <a:p>
+              <a:pPr algn="ctr">
+                <a:lnSpc>
+                  <a:spcPct val="140000"/>
+                </a:lnSpc>
+              </a:pPr>
+              <a:r>
+                <a:rPr lang="en-US" altLang="ko-KR" sz="1100" dirty="0"/>
+                <a:t>[</a:t>
+              </a:r>
+              <a:r>
+                <a:rPr lang="en-US" altLang="ko-KR" sz="1100" dirty="0">
+                  <a:solidFill>
+                    <a:srgbClr val="FF0000"/>
+                  </a:solidFill>
+                </a:rPr>
+                <a:t> : </a:t>
+              </a:r>
+              <a:r>
+                <a:rPr lang="en-US" altLang="ko-KR" sz="1100" dirty="0"/>
+                <a:t>] &lt;</a:t>
+              </a:r>
+              <a:r>
+                <a:rPr lang="ko-KR" altLang="en-US" sz="1100" dirty="0"/>
+                <a:t>명령</a:t>
+              </a:r>
+              <a:r>
+                <a:rPr lang="en-US" altLang="ko-KR" sz="1100" dirty="0"/>
+                <a:t> </a:t>
+              </a:r>
+              <a:r>
+                <a:rPr lang="ko-KR" altLang="en-US" sz="1100" dirty="0"/>
+                <a:t>모드</a:t>
+              </a:r>
+              <a:r>
+                <a:rPr lang="en-US" altLang="ko-KR" sz="1100" dirty="0"/>
+                <a:t>&gt; -&gt; &lt;ex </a:t>
+              </a:r>
+              <a:r>
+                <a:rPr lang="ko-KR" altLang="en-US" sz="1100" dirty="0"/>
+                <a:t>모드</a:t>
+              </a:r>
+              <a:r>
+                <a:rPr lang="en-US" altLang="ko-KR" sz="1100" dirty="0"/>
+                <a:t>&gt;</a:t>
+              </a:r>
+            </a:p>
+            <a:p>
+              <a:pPr>
+                <a:lnSpc>
+                  <a:spcPct val="140000"/>
+                </a:lnSpc>
+              </a:pPr>
+              <a:r>
+                <a:rPr lang="en-US" altLang="ko-KR" sz="1100" dirty="0">
+                  <a:solidFill>
+                    <a:srgbClr val="FF0000"/>
+                  </a:solidFill>
+                </a:rPr>
+                <a:t>:q  </a:t>
+              </a:r>
+              <a:r>
+                <a:rPr lang="ko-KR" altLang="en-US" sz="1100" dirty="0"/>
+                <a:t>편집기 종료</a:t>
+              </a:r>
+              <a:endParaRPr lang="en-US" altLang="ko-KR" sz="1100" dirty="0"/>
+            </a:p>
+            <a:p>
+              <a:pPr>
+                <a:lnSpc>
+                  <a:spcPct val="140000"/>
+                </a:lnSpc>
+              </a:pPr>
+              <a:r>
+                <a:rPr lang="en-US" altLang="ko-KR" sz="1100" dirty="0">
+                  <a:solidFill>
+                    <a:srgbClr val="FF0000"/>
+                  </a:solidFill>
+                </a:rPr>
+                <a:t>:q!  </a:t>
+              </a:r>
+              <a:r>
+                <a:rPr lang="ko-KR" altLang="en-US" sz="1100" dirty="0"/>
+                <a:t>변경된 내용이 있더라도</a:t>
+              </a:r>
+              <a:r>
+                <a:rPr lang="en-US" altLang="ko-KR" sz="1100" dirty="0"/>
+                <a:t>, </a:t>
+              </a:r>
+              <a:r>
+                <a:rPr lang="ko-KR" altLang="en-US" sz="1100" dirty="0"/>
+                <a:t>저장하지 않고 무조건 종료</a:t>
+              </a:r>
+              <a:endParaRPr lang="en-US" altLang="ko-KR" sz="1100" dirty="0"/>
+            </a:p>
+            <a:p>
+              <a:pPr>
+                <a:lnSpc>
+                  <a:spcPct val="140000"/>
+                </a:lnSpc>
+              </a:pPr>
+              <a:r>
+                <a:rPr lang="en-US" altLang="ko-KR" sz="1100" dirty="0">
+                  <a:solidFill>
+                    <a:srgbClr val="FF0000"/>
+                  </a:solidFill>
+                </a:rPr>
+                <a:t>:</a:t>
+              </a:r>
+              <a:r>
+                <a:rPr lang="en-US" altLang="ko-KR" sz="1100" dirty="0" err="1">
+                  <a:solidFill>
+                    <a:srgbClr val="FF0000"/>
+                  </a:solidFill>
+                </a:rPr>
+                <a:t>wq</a:t>
+              </a:r>
+              <a:r>
+                <a:rPr lang="ko-KR" altLang="en-US" sz="1100" dirty="0">
+                  <a:solidFill>
+                    <a:srgbClr val="FF0000"/>
+                  </a:solidFill>
+                </a:rPr>
+                <a:t> </a:t>
+              </a:r>
+              <a:r>
+                <a:rPr lang="ko-KR" altLang="en-US" sz="1100" dirty="0"/>
+                <a:t>변경된 내용을 저장하고 종료</a:t>
+              </a:r>
+              <a:endParaRPr lang="en-US" altLang="ko-KR" sz="1100" dirty="0"/>
+            </a:p>
+            <a:p>
+              <a:pPr>
+                <a:lnSpc>
+                  <a:spcPct val="140000"/>
+                </a:lnSpc>
+              </a:pPr>
+              <a:endParaRPr lang="en-US" altLang="ko-KR" sz="1100" dirty="0"/>
+            </a:p>
+            <a:p>
+              <a:pPr>
+                <a:lnSpc>
+                  <a:spcPct val="140000"/>
+                </a:lnSpc>
+              </a:pPr>
+              <a:endParaRPr lang="en-US" altLang="ko-KR" sz="1100" dirty="0"/>
+            </a:p>
+            <a:p>
+              <a:pPr algn="ctr">
+                <a:lnSpc>
+                  <a:spcPct val="140000"/>
+                </a:lnSpc>
+              </a:pPr>
+              <a:r>
+                <a:rPr lang="en-US" altLang="ko-KR" sz="1100" dirty="0"/>
+                <a:t>[</a:t>
+              </a:r>
+              <a:r>
+                <a:rPr lang="en-US" altLang="ko-KR" sz="1100" dirty="0">
+                  <a:solidFill>
+                    <a:srgbClr val="FF0000"/>
+                  </a:solidFill>
+                </a:rPr>
+                <a:t> </a:t>
+              </a:r>
+              <a:r>
+                <a:rPr lang="en-US" altLang="ko-KR" sz="1100" dirty="0" err="1">
+                  <a:solidFill>
+                    <a:srgbClr val="FF0000"/>
+                  </a:solidFill>
+                </a:rPr>
+                <a:t>i</a:t>
+              </a:r>
+              <a:r>
+                <a:rPr lang="en-US" altLang="ko-KR" sz="1100" dirty="0">
+                  <a:solidFill>
+                    <a:srgbClr val="FF0000"/>
+                  </a:solidFill>
+                </a:rPr>
+                <a:t>, a, o </a:t>
+              </a:r>
+              <a:r>
+                <a:rPr lang="en-US" altLang="ko-KR" sz="1100" dirty="0"/>
+                <a:t>] &lt;</a:t>
+              </a:r>
+              <a:r>
+                <a:rPr lang="ko-KR" altLang="en-US" sz="1100" dirty="0"/>
+                <a:t>명령</a:t>
+              </a:r>
+              <a:r>
+                <a:rPr lang="en-US" altLang="ko-KR" sz="1100" dirty="0"/>
+                <a:t> </a:t>
+              </a:r>
+              <a:r>
+                <a:rPr lang="ko-KR" altLang="en-US" sz="1100" dirty="0"/>
+                <a:t>모드</a:t>
+              </a:r>
+              <a:r>
+                <a:rPr lang="en-US" altLang="ko-KR" sz="1100" dirty="0"/>
+                <a:t>&gt; -&gt; &lt;</a:t>
+              </a:r>
+              <a:r>
+                <a:rPr lang="ko-KR" altLang="en-US" sz="1100" dirty="0"/>
+                <a:t>편집</a:t>
+              </a:r>
+              <a:r>
+                <a:rPr lang="en-US" altLang="ko-KR" sz="1100" dirty="0"/>
+                <a:t> </a:t>
+              </a:r>
+              <a:r>
+                <a:rPr lang="ko-KR" altLang="en-US" sz="1100" dirty="0"/>
+                <a:t>모드</a:t>
+              </a:r>
+              <a:r>
+                <a:rPr lang="en-US" altLang="ko-KR" sz="1100" dirty="0"/>
+                <a:t>&gt;</a:t>
+              </a:r>
+            </a:p>
+            <a:p>
+              <a:pPr>
+                <a:lnSpc>
+                  <a:spcPct val="140000"/>
+                </a:lnSpc>
+              </a:pPr>
+              <a:r>
+                <a:rPr lang="ko-KR" altLang="en-US" sz="1100" dirty="0"/>
+                <a:t>문자열 입력</a:t>
+              </a:r>
+              <a:r>
+                <a:rPr lang="en-US" altLang="ko-KR" sz="1100" dirty="0"/>
+                <a:t>, </a:t>
+              </a:r>
+              <a:r>
+                <a:rPr lang="ko-KR" altLang="en-US" sz="1100" dirty="0"/>
+                <a:t>수정 가능</a:t>
+              </a:r>
+              <a:endParaRPr lang="en-US" altLang="ko-KR" sz="1100" dirty="0"/>
+            </a:p>
+            <a:p>
+              <a:pPr>
+                <a:lnSpc>
+                  <a:spcPct val="140000"/>
+                </a:lnSpc>
+              </a:pPr>
+              <a:endParaRPr lang="en-US" altLang="ko-KR" sz="1100" dirty="0"/>
+            </a:p>
+            <a:p>
+              <a:pPr algn="ctr">
+                <a:lnSpc>
+                  <a:spcPct val="140000"/>
+                </a:lnSpc>
+              </a:pPr>
+              <a:r>
+                <a:rPr lang="en-US" altLang="ko-KR" sz="1100" dirty="0"/>
+                <a:t>[</a:t>
+              </a:r>
+              <a:r>
+                <a:rPr lang="en-US" altLang="ko-KR" sz="1100" dirty="0">
+                  <a:solidFill>
+                    <a:srgbClr val="FF0000"/>
+                  </a:solidFill>
+                </a:rPr>
+                <a:t> esc</a:t>
+              </a:r>
+              <a:r>
+                <a:rPr lang="ko-KR" altLang="en-US" sz="1100" dirty="0">
+                  <a:solidFill>
+                    <a:srgbClr val="FF0000"/>
+                  </a:solidFill>
+                </a:rPr>
+                <a:t> </a:t>
+              </a:r>
+              <a:r>
+                <a:rPr lang="en-US" altLang="ko-KR" sz="1100" dirty="0"/>
+                <a:t>]  &lt;</a:t>
+              </a:r>
+              <a:r>
+                <a:rPr lang="ko-KR" altLang="en-US" sz="1100" dirty="0"/>
+                <a:t>편집</a:t>
+              </a:r>
+              <a:r>
+                <a:rPr lang="en-US" altLang="ko-KR" sz="1100" dirty="0"/>
+                <a:t> </a:t>
+              </a:r>
+              <a:r>
+                <a:rPr lang="ko-KR" altLang="en-US" sz="1100" dirty="0"/>
+                <a:t>모드</a:t>
+              </a:r>
+              <a:r>
+                <a:rPr lang="en-US" altLang="ko-KR" sz="1100" dirty="0"/>
+                <a:t>&gt; -&gt; &lt;</a:t>
+              </a:r>
+              <a:r>
+                <a:rPr lang="ko-KR" altLang="en-US" sz="1100" dirty="0"/>
+                <a:t>명령</a:t>
+              </a:r>
+              <a:r>
+                <a:rPr lang="en-US" altLang="ko-KR" sz="1100" dirty="0"/>
+                <a:t> </a:t>
+              </a:r>
+              <a:r>
+                <a:rPr lang="ko-KR" altLang="en-US" sz="1100" dirty="0"/>
+                <a:t>모드</a:t>
+              </a:r>
+              <a:r>
+                <a:rPr lang="en-US" altLang="ko-KR" sz="1100" dirty="0"/>
+                <a:t>&gt;</a:t>
+              </a:r>
+            </a:p>
+            <a:p>
+              <a:pPr>
+                <a:lnSpc>
+                  <a:spcPct val="140000"/>
+                </a:lnSpc>
+              </a:pPr>
+              <a:endParaRPr lang="en-US" altLang="ko-KR" sz="1100" dirty="0"/>
+            </a:p>
+            <a:p>
+              <a:pPr>
+                <a:lnSpc>
+                  <a:spcPct val="140000"/>
+                </a:lnSpc>
+              </a:pPr>
+              <a:endParaRPr lang="en-US" altLang="ko-KR" sz="1100" dirty="0"/>
+            </a:p>
+            <a:p>
+              <a:pPr>
+                <a:lnSpc>
+                  <a:spcPct val="140000"/>
+                </a:lnSpc>
+              </a:pPr>
+              <a:endParaRPr lang="en-US" altLang="ko-KR" sz="1100" dirty="0"/>
+            </a:p>
+          </p:txBody>
+        </p:sp>
+      </p:grpSp>
+      <p:sp>
+        <p:nvSpPr>
+          <p:cNvPr id="14" name="화살표: 오른쪽 13">
+            <a:hlinkClick r:id="rId2" action="ppaction://hlinksldjump"/>
+            <a:extLst>
+              <a:ext uri="{FF2B5EF4-FFF2-40B4-BE49-F238E27FC236}">
+                <a16:creationId xmlns:a16="http://schemas.microsoft.com/office/drawing/2014/main" id="{78E894EA-CB3A-417A-BB90-6C11026537FC}"/>
+              </a:ext>
+            </a:extLst>
+          </p:cNvPr>
+          <p:cNvSpPr/>
+          <p:nvPr/>
+        </p:nvSpPr>
+        <p:spPr>
+          <a:xfrm flipH="1">
+            <a:off x="580444" y="596349"/>
+            <a:ext cx="257755" cy="206099"/>
+          </a:xfrm>
+          <a:prstGeom prst="rightArrow">
+            <a:avLst>
+              <a:gd name="adj1" fmla="val 50000"/>
+              <a:gd name="adj2" fmla="val 73148"/>
+            </a:avLst>
+          </a:prstGeom>
+          <a:solidFill>
+            <a:srgbClr val="A6A6A6"/>
+          </a:solidFill>
+          <a:ln>
+            <a:noFill/>
+          </a:ln>
+        </p:spPr>
+        <p:style>
+          <a:lnRef idx="2">
+            <a:schemeClr val="accent1">
+              <a:shade val="50000"/>
+            </a:schemeClr>
+          </a:lnRef>
+          <a:fillRef idx="1">
+            <a:schemeClr val="accent1"/>
+          </a:fillRef>
+          <a:effectRef idx="0">
+            <a:schemeClr val="accent1"/>
+          </a:effectRef>
+          <a:fontRef idx="minor">
+            <a:schemeClr val="lt1"/>
+          </a:fontRef>
+        </p:style>
+        <p:txBody>
+          <a:bodyPr rtlCol="0" anchor="ctr"/>
+          <a:lstStyle/>
+          <a:p>
+            <a:pPr algn="ctr"/>
+            <a:endParaRPr lang="ko-KR" altLang="en-US"/>
+          </a:p>
+        </p:txBody>
+      </p:sp>
+      <p:grpSp>
+        <p:nvGrpSpPr>
+          <p:cNvPr id="13" name="그룹 12">
+            <a:extLst>
+              <a:ext uri="{FF2B5EF4-FFF2-40B4-BE49-F238E27FC236}">
+                <a16:creationId xmlns:a16="http://schemas.microsoft.com/office/drawing/2014/main" id="{97EF28E3-54CF-4B2E-8345-3194B60F3742}"/>
+              </a:ext>
+            </a:extLst>
+          </p:cNvPr>
+          <p:cNvGrpSpPr/>
+          <p:nvPr/>
+        </p:nvGrpSpPr>
+        <p:grpSpPr>
+          <a:xfrm>
+            <a:off x="11593737" y="6457890"/>
+            <a:ext cx="678993" cy="400110"/>
+            <a:chOff x="10627762" y="-30288"/>
+            <a:chExt cx="597159" cy="400110"/>
+          </a:xfrm>
+        </p:grpSpPr>
+        <p:sp>
+          <p:nvSpPr>
+            <p:cNvPr id="15" name="사각형: 둥근 모서리 14">
+              <a:extLst>
+                <a:ext uri="{FF2B5EF4-FFF2-40B4-BE49-F238E27FC236}">
+                  <a16:creationId xmlns:a16="http://schemas.microsoft.com/office/drawing/2014/main" id="{5425A677-AA8C-47F9-BAEE-A171E36E2066}"/>
+                </a:ext>
+              </a:extLst>
+            </p:cNvPr>
+            <p:cNvSpPr/>
+            <p:nvPr/>
+          </p:nvSpPr>
+          <p:spPr>
+            <a:xfrm>
+              <a:off x="10675841" y="11905"/>
+              <a:ext cx="464911" cy="338139"/>
+            </a:xfrm>
+            <a:prstGeom prst="roundRect">
+              <a:avLst/>
+            </a:prstGeom>
+            <a:solidFill>
+              <a:schemeClr val="accent6">
+                <a:lumMod val="20000"/>
+                <a:lumOff val="80000"/>
+              </a:schemeClr>
+            </a:solidFill>
+            <a:ln>
+              <a:solidFill>
+                <a:schemeClr val="accent6">
+                  <a:lumMod val="60000"/>
+                  <a:lumOff val="40000"/>
+                </a:schemeClr>
+              </a:solidFill>
+            </a:ln>
+          </p:spPr>
+          <p:style>
+            <a:lnRef idx="2">
+              <a:schemeClr val="accent1">
+                <a:shade val="50000"/>
+              </a:schemeClr>
+            </a:lnRef>
+            <a:fillRef idx="1">
+              <a:schemeClr val="accent1"/>
+            </a:fillRef>
+            <a:effectRef idx="0">
+              <a:schemeClr val="accent1"/>
+            </a:effectRef>
+            <a:fontRef idx="minor">
+              <a:schemeClr val="lt1"/>
+            </a:fontRef>
+          </p:style>
+          <p:txBody>
+            <a:bodyPr rtlCol="0" anchor="ctr"/>
+            <a:lstStyle/>
+            <a:p>
+              <a:pPr algn="ctr"/>
+              <a:endParaRPr lang="ko-KR" altLang="en-US"/>
+            </a:p>
+          </p:txBody>
+        </p:sp>
+        <p:sp>
+          <p:nvSpPr>
+            <p:cNvPr id="18" name="TextBox 17">
+              <a:extLst>
+                <a:ext uri="{FF2B5EF4-FFF2-40B4-BE49-F238E27FC236}">
+                  <a16:creationId xmlns:a16="http://schemas.microsoft.com/office/drawing/2014/main" id="{79087E42-CAF8-4ED4-AAC9-6CF26EAB766F}"/>
+                </a:ext>
+              </a:extLst>
+            </p:cNvPr>
+            <p:cNvSpPr txBox="1"/>
+            <p:nvPr/>
+          </p:nvSpPr>
+          <p:spPr>
+            <a:xfrm>
+              <a:off x="10627762" y="-30288"/>
+              <a:ext cx="597159" cy="400110"/>
+            </a:xfrm>
+            <a:prstGeom prst="rect">
+              <a:avLst/>
+            </a:prstGeom>
+            <a:noFill/>
+          </p:spPr>
+          <p:txBody>
+            <a:bodyPr wrap="square" rtlCol="0">
+              <a:spAutoFit/>
+            </a:bodyPr>
+            <a:lstStyle/>
+            <a:p>
+              <a:r>
+                <a:rPr lang="en-US" altLang="ko-KR" sz="1000" b="1" dirty="0">
+                  <a:solidFill>
+                    <a:schemeClr val="bg2">
+                      <a:lumMod val="50000"/>
+                    </a:schemeClr>
+                  </a:solidFill>
+                </a:rPr>
+                <a:t>L I N K</a:t>
+              </a:r>
+              <a:endParaRPr lang="ko-KR" altLang="en-US" sz="1000" b="1" dirty="0">
+                <a:solidFill>
+                  <a:schemeClr val="bg2">
+                    <a:lumMod val="50000"/>
+                  </a:schemeClr>
+                </a:solidFill>
+              </a:endParaRPr>
+            </a:p>
+          </p:txBody>
+        </p:sp>
+        <p:sp>
+          <p:nvSpPr>
+            <p:cNvPr id="19" name="화살표: 오른쪽 18">
+              <a:hlinkClick r:id="" action="ppaction://noaction"/>
+              <a:extLst>
+                <a:ext uri="{FF2B5EF4-FFF2-40B4-BE49-F238E27FC236}">
+                  <a16:creationId xmlns:a16="http://schemas.microsoft.com/office/drawing/2014/main" id="{64F038EA-AC67-46E4-A7F9-6EA58B342B1D}"/>
+                </a:ext>
+              </a:extLst>
+            </p:cNvPr>
+            <p:cNvSpPr/>
+            <p:nvPr/>
+          </p:nvSpPr>
+          <p:spPr>
+            <a:xfrm flipH="1">
+              <a:off x="10773860" y="150995"/>
+              <a:ext cx="251325" cy="187144"/>
+            </a:xfrm>
+            <a:prstGeom prst="rightArrow">
+              <a:avLst>
+                <a:gd name="adj1" fmla="val 50000"/>
+                <a:gd name="adj2" fmla="val 73148"/>
+              </a:avLst>
+            </a:prstGeom>
+            <a:solidFill>
+              <a:schemeClr val="accent6">
+                <a:lumMod val="50000"/>
+              </a:schemeClr>
+            </a:solidFill>
+            <a:ln>
+              <a:noFill/>
+            </a:ln>
+          </p:spPr>
+          <p:style>
+            <a:lnRef idx="2">
+              <a:schemeClr val="accent1">
+                <a:shade val="50000"/>
+              </a:schemeClr>
+            </a:lnRef>
+            <a:fillRef idx="1">
+              <a:schemeClr val="accent1"/>
+            </a:fillRef>
+            <a:effectRef idx="0">
+              <a:schemeClr val="accent1"/>
+            </a:effectRef>
+            <a:fontRef idx="minor">
+              <a:schemeClr val="lt1"/>
+            </a:fontRef>
+          </p:style>
+          <p:txBody>
+            <a:bodyPr rtlCol="0" anchor="ctr"/>
+            <a:lstStyle/>
+            <a:p>
+              <a:pPr algn="ctr"/>
+              <a:endParaRPr lang="ko-KR" altLang="en-US"/>
+            </a:p>
+          </p:txBody>
+        </p:sp>
+      </p:grpSp>
+      <p:sp>
+        <p:nvSpPr>
+          <p:cNvPr id="4" name="타원 3">
+            <a:extLst>
+              <a:ext uri="{FF2B5EF4-FFF2-40B4-BE49-F238E27FC236}">
+                <a16:creationId xmlns:a16="http://schemas.microsoft.com/office/drawing/2014/main" id="{DD6B2FEA-F440-48EB-B6C2-7CC2CAFC62DA}"/>
+              </a:ext>
+            </a:extLst>
+          </p:cNvPr>
+          <p:cNvSpPr/>
+          <p:nvPr/>
+        </p:nvSpPr>
+        <p:spPr>
+          <a:xfrm>
+            <a:off x="6342696" y="2830061"/>
+            <a:ext cx="1308016" cy="575285"/>
+          </a:xfrm>
+          <a:prstGeom prst="ellipse">
+            <a:avLst/>
+          </a:prstGeom>
+          <a:solidFill>
+            <a:schemeClr val="accent6">
+              <a:lumMod val="75000"/>
+            </a:schemeClr>
+          </a:solidFill>
+          <a:ln>
+            <a:noFill/>
+          </a:ln>
+        </p:spPr>
+        <p:style>
+          <a:lnRef idx="2">
+            <a:schemeClr val="accent1">
+              <a:shade val="50000"/>
+            </a:schemeClr>
+          </a:lnRef>
+          <a:fillRef idx="1">
+            <a:schemeClr val="accent1"/>
+          </a:fillRef>
+          <a:effectRef idx="0">
+            <a:schemeClr val="accent1"/>
+          </a:effectRef>
+          <a:fontRef idx="minor">
+            <a:schemeClr val="lt1"/>
+          </a:fontRef>
+        </p:style>
+        <p:txBody>
+          <a:bodyPr rtlCol="0" anchor="ctr"/>
+          <a:lstStyle/>
+          <a:p>
+            <a:pPr algn="ctr"/>
+            <a:r>
+              <a:rPr lang="en-US" altLang="ko-KR" dirty="0"/>
+              <a:t>vi </a:t>
+            </a:r>
+            <a:r>
+              <a:rPr lang="ko-KR" altLang="en-US" dirty="0"/>
+              <a:t>시작</a:t>
+            </a:r>
+          </a:p>
+        </p:txBody>
+      </p:sp>
+      <p:sp>
+        <p:nvSpPr>
+          <p:cNvPr id="21" name="타원 20">
+            <a:extLst>
+              <a:ext uri="{FF2B5EF4-FFF2-40B4-BE49-F238E27FC236}">
+                <a16:creationId xmlns:a16="http://schemas.microsoft.com/office/drawing/2014/main" id="{D15028F8-64C1-4D67-B5B6-8315E4B7EE63}"/>
+              </a:ext>
+            </a:extLst>
+          </p:cNvPr>
+          <p:cNvSpPr/>
+          <p:nvPr/>
+        </p:nvSpPr>
+        <p:spPr>
+          <a:xfrm>
+            <a:off x="6342696" y="4231089"/>
+            <a:ext cx="1308016" cy="575285"/>
+          </a:xfrm>
+          <a:prstGeom prst="ellipse">
+            <a:avLst/>
+          </a:prstGeom>
+          <a:solidFill>
+            <a:schemeClr val="accent6">
+              <a:lumMod val="75000"/>
+            </a:schemeClr>
+          </a:solidFill>
+          <a:ln>
+            <a:noFill/>
+          </a:ln>
+        </p:spPr>
+        <p:style>
+          <a:lnRef idx="2">
+            <a:schemeClr val="accent1">
+              <a:shade val="50000"/>
+            </a:schemeClr>
+          </a:lnRef>
+          <a:fillRef idx="1">
+            <a:schemeClr val="accent1"/>
+          </a:fillRef>
+          <a:effectRef idx="0">
+            <a:schemeClr val="accent1"/>
+          </a:effectRef>
+          <a:fontRef idx="minor">
+            <a:schemeClr val="lt1"/>
+          </a:fontRef>
+        </p:style>
+        <p:txBody>
+          <a:bodyPr rtlCol="0" anchor="ctr"/>
+          <a:lstStyle/>
+          <a:p>
+            <a:pPr algn="ctr"/>
+            <a:r>
+              <a:rPr lang="en-US" altLang="ko-KR" dirty="0"/>
+              <a:t>vi </a:t>
+            </a:r>
+            <a:r>
+              <a:rPr lang="ko-KR" altLang="en-US" dirty="0"/>
+              <a:t>종료</a:t>
+            </a:r>
+          </a:p>
+        </p:txBody>
+      </p:sp>
+      <p:grpSp>
+        <p:nvGrpSpPr>
+          <p:cNvPr id="8" name="그룹 7">
+            <a:extLst>
+              <a:ext uri="{FF2B5EF4-FFF2-40B4-BE49-F238E27FC236}">
+                <a16:creationId xmlns:a16="http://schemas.microsoft.com/office/drawing/2014/main" id="{AC24574C-B760-4467-BF8C-E09108EA280F}"/>
+              </a:ext>
+            </a:extLst>
+          </p:cNvPr>
+          <p:cNvGrpSpPr/>
+          <p:nvPr/>
+        </p:nvGrpSpPr>
+        <p:grpSpPr>
+          <a:xfrm>
+            <a:off x="8318543" y="2444644"/>
+            <a:ext cx="1386741" cy="1090897"/>
+            <a:chOff x="8580825" y="1522106"/>
+            <a:chExt cx="1386741" cy="1090897"/>
+          </a:xfrm>
+        </p:grpSpPr>
+        <p:sp>
+          <p:nvSpPr>
+            <p:cNvPr id="5" name="사각형: 둥근 모서리 4">
+              <a:extLst>
+                <a:ext uri="{FF2B5EF4-FFF2-40B4-BE49-F238E27FC236}">
+                  <a16:creationId xmlns:a16="http://schemas.microsoft.com/office/drawing/2014/main" id="{206A5064-DCCB-4472-8BB3-39AD09F9A59B}"/>
+                </a:ext>
+              </a:extLst>
+            </p:cNvPr>
+            <p:cNvSpPr/>
+            <p:nvPr/>
+          </p:nvSpPr>
+          <p:spPr>
+            <a:xfrm>
+              <a:off x="8580826" y="1777327"/>
+              <a:ext cx="1386740" cy="835676"/>
+            </a:xfrm>
+            <a:prstGeom prst="roundRect">
+              <a:avLst/>
+            </a:prstGeom>
+            <a:solidFill>
+              <a:srgbClr val="7030A0"/>
+            </a:solidFill>
+            <a:ln>
+              <a:noFill/>
+            </a:ln>
+          </p:spPr>
+          <p:style>
+            <a:lnRef idx="2">
+              <a:schemeClr val="accent1">
+                <a:shade val="50000"/>
+              </a:schemeClr>
+            </a:lnRef>
+            <a:fillRef idx="1">
+              <a:schemeClr val="accent1"/>
+            </a:fillRef>
+            <a:effectRef idx="0">
+              <a:schemeClr val="accent1"/>
+            </a:effectRef>
+            <a:fontRef idx="minor">
+              <a:schemeClr val="lt1"/>
+            </a:fontRef>
+          </p:style>
+          <p:txBody>
+            <a:bodyPr rtlCol="0" anchor="ctr"/>
+            <a:lstStyle/>
+            <a:p>
+              <a:pPr algn="ctr"/>
+              <a:r>
+                <a:rPr lang="ko-KR" altLang="en-US" sz="1600" b="1" dirty="0"/>
+                <a:t>모드 변경</a:t>
+              </a:r>
+              <a:r>
+                <a:rPr lang="en-US" altLang="ko-KR" sz="1600" b="1" dirty="0"/>
+                <a:t>,</a:t>
+              </a:r>
+            </a:p>
+            <a:p>
+              <a:pPr algn="ctr"/>
+              <a:r>
+                <a:rPr lang="ko-KR" altLang="en-US" sz="1600" b="1" dirty="0"/>
+                <a:t>복사</a:t>
+              </a:r>
+              <a:r>
+                <a:rPr lang="en-US" altLang="ko-KR" sz="1600" b="1" dirty="0"/>
+                <a:t>, </a:t>
+              </a:r>
+              <a:r>
+                <a:rPr lang="ko-KR" altLang="en-US" sz="1600" b="1" dirty="0"/>
+                <a:t>이동</a:t>
+              </a:r>
+              <a:endParaRPr lang="en-US" altLang="ko-KR" sz="1600" b="1" dirty="0"/>
+            </a:p>
+          </p:txBody>
+        </p:sp>
+        <p:sp>
+          <p:nvSpPr>
+            <p:cNvPr id="7" name="TextBox 6">
+              <a:extLst>
+                <a:ext uri="{FF2B5EF4-FFF2-40B4-BE49-F238E27FC236}">
+                  <a16:creationId xmlns:a16="http://schemas.microsoft.com/office/drawing/2014/main" id="{1A4FBF0F-9DBE-49B6-AD9C-8F0A981EDAD6}"/>
+                </a:ext>
+              </a:extLst>
+            </p:cNvPr>
+            <p:cNvSpPr txBox="1"/>
+            <p:nvPr/>
+          </p:nvSpPr>
+          <p:spPr>
+            <a:xfrm>
+              <a:off x="8580825" y="1522106"/>
+              <a:ext cx="1326183" cy="276999"/>
+            </a:xfrm>
+            <a:prstGeom prst="rect">
+              <a:avLst/>
+            </a:prstGeom>
+            <a:noFill/>
+          </p:spPr>
+          <p:txBody>
+            <a:bodyPr wrap="square" rtlCol="0">
+              <a:spAutoFit/>
+            </a:bodyPr>
+            <a:lstStyle/>
+            <a:p>
+              <a:pPr algn="ctr"/>
+              <a:r>
+                <a:rPr lang="en-US" altLang="ko-KR" sz="1200" dirty="0"/>
+                <a:t>&lt;</a:t>
+              </a:r>
+              <a:r>
+                <a:rPr lang="ko-KR" altLang="en-US" sz="1200" dirty="0"/>
+                <a:t> 명령 모드 </a:t>
+              </a:r>
+              <a:r>
+                <a:rPr lang="en-US" altLang="ko-KR" sz="1200" dirty="0"/>
+                <a:t>&gt;</a:t>
+              </a:r>
+              <a:endParaRPr lang="ko-KR" altLang="en-US" sz="1200" dirty="0"/>
+            </a:p>
+          </p:txBody>
+        </p:sp>
+      </p:grpSp>
+      <p:grpSp>
+        <p:nvGrpSpPr>
+          <p:cNvPr id="24" name="그룹 23">
+            <a:extLst>
+              <a:ext uri="{FF2B5EF4-FFF2-40B4-BE49-F238E27FC236}">
+                <a16:creationId xmlns:a16="http://schemas.microsoft.com/office/drawing/2014/main" id="{5BEE5521-FD21-4827-AE9B-567B045509CB}"/>
+              </a:ext>
+            </a:extLst>
+          </p:cNvPr>
+          <p:cNvGrpSpPr/>
+          <p:nvPr/>
+        </p:nvGrpSpPr>
+        <p:grpSpPr>
+          <a:xfrm>
+            <a:off x="8318543" y="3878624"/>
+            <a:ext cx="1386741" cy="1090897"/>
+            <a:chOff x="8580825" y="1522106"/>
+            <a:chExt cx="1386741" cy="1090897"/>
+          </a:xfrm>
+        </p:grpSpPr>
+        <p:sp>
+          <p:nvSpPr>
+            <p:cNvPr id="25" name="사각형: 둥근 모서리 24">
+              <a:extLst>
+                <a:ext uri="{FF2B5EF4-FFF2-40B4-BE49-F238E27FC236}">
+                  <a16:creationId xmlns:a16="http://schemas.microsoft.com/office/drawing/2014/main" id="{4866CF1F-A69B-4E44-8242-6CB039B89BC8}"/>
+                </a:ext>
+              </a:extLst>
+            </p:cNvPr>
+            <p:cNvSpPr/>
+            <p:nvPr/>
+          </p:nvSpPr>
+          <p:spPr>
+            <a:xfrm>
+              <a:off x="8580826" y="1777327"/>
+              <a:ext cx="1386740" cy="835676"/>
+            </a:xfrm>
+            <a:prstGeom prst="roundRect">
+              <a:avLst/>
+            </a:prstGeom>
+            <a:solidFill>
+              <a:srgbClr val="7030A0"/>
+            </a:solidFill>
+            <a:ln>
+              <a:noFill/>
+            </a:ln>
+          </p:spPr>
+          <p:style>
+            <a:lnRef idx="2">
+              <a:schemeClr val="accent1">
+                <a:shade val="50000"/>
+              </a:schemeClr>
+            </a:lnRef>
+            <a:fillRef idx="1">
+              <a:schemeClr val="accent1"/>
+            </a:fillRef>
+            <a:effectRef idx="0">
+              <a:schemeClr val="accent1"/>
+            </a:effectRef>
+            <a:fontRef idx="minor">
+              <a:schemeClr val="lt1"/>
+            </a:fontRef>
+          </p:style>
+          <p:txBody>
+            <a:bodyPr rtlCol="0" anchor="ctr"/>
+            <a:lstStyle/>
+            <a:p>
+              <a:pPr algn="ctr"/>
+              <a:r>
+                <a:rPr lang="ko-KR" altLang="en-US" sz="1600" b="1" dirty="0"/>
+                <a:t>치환</a:t>
+              </a:r>
+              <a:r>
+                <a:rPr lang="en-US" altLang="ko-KR" sz="1600" b="1" dirty="0"/>
+                <a:t>, </a:t>
+              </a:r>
+              <a:r>
+                <a:rPr lang="ko-KR" altLang="en-US" sz="1600" b="1" dirty="0"/>
+                <a:t>저장 및 종료</a:t>
+              </a:r>
+              <a:endParaRPr lang="en-US" altLang="ko-KR" sz="1600" b="1" dirty="0"/>
+            </a:p>
+          </p:txBody>
+        </p:sp>
+        <p:sp>
+          <p:nvSpPr>
+            <p:cNvPr id="26" name="TextBox 25">
+              <a:extLst>
+                <a:ext uri="{FF2B5EF4-FFF2-40B4-BE49-F238E27FC236}">
+                  <a16:creationId xmlns:a16="http://schemas.microsoft.com/office/drawing/2014/main" id="{05FBD8BE-C049-450F-9E9F-774BAE22D5A6}"/>
+                </a:ext>
+              </a:extLst>
+            </p:cNvPr>
+            <p:cNvSpPr txBox="1"/>
+            <p:nvPr/>
+          </p:nvSpPr>
+          <p:spPr>
+            <a:xfrm>
+              <a:off x="8580825" y="1522106"/>
+              <a:ext cx="1326183" cy="276999"/>
+            </a:xfrm>
+            <a:prstGeom prst="rect">
+              <a:avLst/>
+            </a:prstGeom>
+            <a:noFill/>
+          </p:spPr>
+          <p:txBody>
+            <a:bodyPr wrap="square" rtlCol="0">
+              <a:spAutoFit/>
+            </a:bodyPr>
+            <a:lstStyle/>
+            <a:p>
+              <a:pPr algn="ctr"/>
+              <a:r>
+                <a:rPr lang="en-US" altLang="ko-KR" sz="1200" dirty="0"/>
+                <a:t>&lt;</a:t>
+              </a:r>
+              <a:r>
+                <a:rPr lang="ko-KR" altLang="en-US" sz="1200" dirty="0"/>
+                <a:t> </a:t>
+              </a:r>
+              <a:r>
+                <a:rPr lang="en-US" altLang="ko-KR" sz="1200" dirty="0"/>
+                <a:t>ex </a:t>
+              </a:r>
+              <a:r>
+                <a:rPr lang="ko-KR" altLang="en-US" sz="1200" dirty="0"/>
+                <a:t>모드 </a:t>
+              </a:r>
+              <a:r>
+                <a:rPr lang="en-US" altLang="ko-KR" sz="1200" dirty="0"/>
+                <a:t>&gt;</a:t>
+              </a:r>
+              <a:endParaRPr lang="ko-KR" altLang="en-US" sz="1200" dirty="0"/>
+            </a:p>
+          </p:txBody>
+        </p:sp>
+      </p:grpSp>
+      <p:grpSp>
+        <p:nvGrpSpPr>
+          <p:cNvPr id="27" name="그룹 26">
+            <a:extLst>
+              <a:ext uri="{FF2B5EF4-FFF2-40B4-BE49-F238E27FC236}">
+                <a16:creationId xmlns:a16="http://schemas.microsoft.com/office/drawing/2014/main" id="{8C17F36D-1AE7-4897-9DF4-8C21C1B4A8EF}"/>
+              </a:ext>
+            </a:extLst>
+          </p:cNvPr>
+          <p:cNvGrpSpPr/>
+          <p:nvPr/>
+        </p:nvGrpSpPr>
+        <p:grpSpPr>
+          <a:xfrm>
+            <a:off x="10373115" y="2444644"/>
+            <a:ext cx="1386741" cy="1090897"/>
+            <a:chOff x="8580825" y="1522106"/>
+            <a:chExt cx="1386741" cy="1090897"/>
+          </a:xfrm>
+        </p:grpSpPr>
+        <p:sp>
+          <p:nvSpPr>
+            <p:cNvPr id="28" name="사각형: 둥근 모서리 27">
+              <a:extLst>
+                <a:ext uri="{FF2B5EF4-FFF2-40B4-BE49-F238E27FC236}">
+                  <a16:creationId xmlns:a16="http://schemas.microsoft.com/office/drawing/2014/main" id="{DD53C7AD-ADD8-4B56-9F32-66B82A99ADFA}"/>
+                </a:ext>
+              </a:extLst>
+            </p:cNvPr>
+            <p:cNvSpPr/>
+            <p:nvPr/>
+          </p:nvSpPr>
+          <p:spPr>
+            <a:xfrm>
+              <a:off x="8580826" y="1777327"/>
+              <a:ext cx="1386740" cy="835676"/>
+            </a:xfrm>
+            <a:prstGeom prst="roundRect">
+              <a:avLst/>
+            </a:prstGeom>
+            <a:solidFill>
+              <a:srgbClr val="7030A0"/>
+            </a:solidFill>
+            <a:ln>
+              <a:noFill/>
+            </a:ln>
+          </p:spPr>
+          <p:style>
+            <a:lnRef idx="2">
+              <a:schemeClr val="accent1">
+                <a:shade val="50000"/>
+              </a:schemeClr>
+            </a:lnRef>
+            <a:fillRef idx="1">
+              <a:schemeClr val="accent1"/>
+            </a:fillRef>
+            <a:effectRef idx="0">
+              <a:schemeClr val="accent1"/>
+            </a:effectRef>
+            <a:fontRef idx="minor">
+              <a:schemeClr val="lt1"/>
+            </a:fontRef>
+          </p:style>
+          <p:txBody>
+            <a:bodyPr rtlCol="0" anchor="ctr"/>
+            <a:lstStyle/>
+            <a:p>
+              <a:pPr algn="ctr"/>
+              <a:r>
+                <a:rPr lang="ko-KR" altLang="en-US" sz="1600" b="1" dirty="0"/>
+                <a:t>문서작성</a:t>
+              </a:r>
+              <a:r>
+                <a:rPr lang="en-US" altLang="ko-KR" sz="1600" b="1" dirty="0"/>
+                <a:t>,</a:t>
+              </a:r>
+            </a:p>
+            <a:p>
+              <a:pPr algn="ctr"/>
+              <a:r>
+                <a:rPr lang="ko-KR" altLang="en-US" sz="1600" b="1" dirty="0"/>
+                <a:t>편집</a:t>
+              </a:r>
+              <a:endParaRPr lang="en-US" altLang="ko-KR" sz="1600" b="1" dirty="0"/>
+            </a:p>
+          </p:txBody>
+        </p:sp>
+        <p:sp>
+          <p:nvSpPr>
+            <p:cNvPr id="29" name="TextBox 28">
+              <a:extLst>
+                <a:ext uri="{FF2B5EF4-FFF2-40B4-BE49-F238E27FC236}">
+                  <a16:creationId xmlns:a16="http://schemas.microsoft.com/office/drawing/2014/main" id="{F2B95D2A-2859-4279-BB9A-01B312CDF7DA}"/>
+                </a:ext>
+              </a:extLst>
+            </p:cNvPr>
+            <p:cNvSpPr txBox="1"/>
+            <p:nvPr/>
+          </p:nvSpPr>
+          <p:spPr>
+            <a:xfrm>
+              <a:off x="8580825" y="1522106"/>
+              <a:ext cx="1326183" cy="276999"/>
+            </a:xfrm>
+            <a:prstGeom prst="rect">
+              <a:avLst/>
+            </a:prstGeom>
+            <a:noFill/>
+          </p:spPr>
+          <p:txBody>
+            <a:bodyPr wrap="square" rtlCol="0">
+              <a:spAutoFit/>
+            </a:bodyPr>
+            <a:lstStyle/>
+            <a:p>
+              <a:pPr algn="ctr"/>
+              <a:r>
+                <a:rPr lang="en-US" altLang="ko-KR" sz="1200" dirty="0"/>
+                <a:t>&lt;</a:t>
+              </a:r>
+              <a:r>
+                <a:rPr lang="ko-KR" altLang="en-US" sz="1200" dirty="0"/>
+                <a:t> 편집 모드 </a:t>
+              </a:r>
+              <a:r>
+                <a:rPr lang="en-US" altLang="ko-KR" sz="1200" dirty="0"/>
+                <a:t>&gt;</a:t>
+              </a:r>
+              <a:endParaRPr lang="ko-KR" altLang="en-US" sz="1200" dirty="0"/>
+            </a:p>
+          </p:txBody>
+        </p:sp>
+      </p:grpSp>
+      <p:sp>
+        <p:nvSpPr>
+          <p:cNvPr id="30" name="화살표: 오른쪽 29">
+            <a:extLst>
+              <a:ext uri="{FF2B5EF4-FFF2-40B4-BE49-F238E27FC236}">
+                <a16:creationId xmlns:a16="http://schemas.microsoft.com/office/drawing/2014/main" id="{7394DB85-90E3-4387-8150-857A171FFECB}"/>
+              </a:ext>
+            </a:extLst>
+          </p:cNvPr>
+          <p:cNvSpPr/>
+          <p:nvPr/>
+        </p:nvSpPr>
+        <p:spPr>
+          <a:xfrm>
+            <a:off x="7832381" y="3005674"/>
+            <a:ext cx="260392" cy="175614"/>
+          </a:xfrm>
+          <a:prstGeom prst="rightArrow">
+            <a:avLst/>
+          </a:prstGeom>
+        </p:spPr>
+        <p:style>
+          <a:lnRef idx="2">
+            <a:schemeClr val="accent1">
+              <a:shade val="50000"/>
+            </a:schemeClr>
+          </a:lnRef>
+          <a:fillRef idx="1">
+            <a:schemeClr val="accent1"/>
+          </a:fillRef>
+          <a:effectRef idx="0">
+            <a:schemeClr val="accent1"/>
+          </a:effectRef>
+          <a:fontRef idx="minor">
+            <a:schemeClr val="lt1"/>
+          </a:fontRef>
+        </p:style>
+        <p:txBody>
+          <a:bodyPr rtlCol="0" anchor="ctr"/>
+          <a:lstStyle/>
+          <a:p>
+            <a:pPr algn="ctr"/>
+            <a:endParaRPr lang="ko-KR" altLang="en-US"/>
+          </a:p>
+        </p:txBody>
+      </p:sp>
+      <p:sp>
+        <p:nvSpPr>
+          <p:cNvPr id="31" name="화살표: 오른쪽 30">
+            <a:extLst>
+              <a:ext uri="{FF2B5EF4-FFF2-40B4-BE49-F238E27FC236}">
+                <a16:creationId xmlns:a16="http://schemas.microsoft.com/office/drawing/2014/main" id="{847AB51D-6EDD-497F-BA0D-9C517477047C}"/>
+              </a:ext>
+            </a:extLst>
+          </p:cNvPr>
+          <p:cNvSpPr/>
+          <p:nvPr/>
+        </p:nvSpPr>
+        <p:spPr>
+          <a:xfrm rot="10800000">
+            <a:off x="7854432" y="4453254"/>
+            <a:ext cx="260392" cy="175614"/>
+          </a:xfrm>
+          <a:prstGeom prst="rightArrow">
+            <a:avLst/>
+          </a:prstGeom>
+        </p:spPr>
+        <p:style>
+          <a:lnRef idx="2">
+            <a:schemeClr val="accent1">
+              <a:shade val="50000"/>
+            </a:schemeClr>
+          </a:lnRef>
+          <a:fillRef idx="1">
+            <a:schemeClr val="accent1"/>
+          </a:fillRef>
+          <a:effectRef idx="0">
+            <a:schemeClr val="accent1"/>
+          </a:effectRef>
+          <a:fontRef idx="minor">
+            <a:schemeClr val="lt1"/>
+          </a:fontRef>
+        </p:style>
+        <p:txBody>
+          <a:bodyPr rtlCol="0" anchor="ctr"/>
+          <a:lstStyle/>
+          <a:p>
+            <a:pPr algn="ctr"/>
+            <a:endParaRPr lang="ko-KR" altLang="en-US"/>
+          </a:p>
+        </p:txBody>
+      </p:sp>
+      <p:sp>
+        <p:nvSpPr>
+          <p:cNvPr id="32" name="화살표: 오른쪽 31">
+            <a:extLst>
+              <a:ext uri="{FF2B5EF4-FFF2-40B4-BE49-F238E27FC236}">
+                <a16:creationId xmlns:a16="http://schemas.microsoft.com/office/drawing/2014/main" id="{99C8D319-809D-47E1-96AC-C5D8A88AF528}"/>
+              </a:ext>
+            </a:extLst>
+          </p:cNvPr>
+          <p:cNvSpPr/>
+          <p:nvPr/>
+        </p:nvSpPr>
+        <p:spPr>
+          <a:xfrm>
+            <a:off x="9898118" y="2830061"/>
+            <a:ext cx="260392" cy="175614"/>
+          </a:xfrm>
+          <a:prstGeom prst="rightArrow">
+            <a:avLst/>
+          </a:prstGeom>
+        </p:spPr>
+        <p:style>
+          <a:lnRef idx="2">
+            <a:schemeClr val="accent1">
+              <a:shade val="50000"/>
+            </a:schemeClr>
+          </a:lnRef>
+          <a:fillRef idx="1">
+            <a:schemeClr val="accent1"/>
+          </a:fillRef>
+          <a:effectRef idx="0">
+            <a:schemeClr val="accent1"/>
+          </a:effectRef>
+          <a:fontRef idx="minor">
+            <a:schemeClr val="lt1"/>
+          </a:fontRef>
+        </p:style>
+        <p:txBody>
+          <a:bodyPr rtlCol="0" anchor="ctr"/>
+          <a:lstStyle/>
+          <a:p>
+            <a:pPr algn="ctr"/>
+            <a:endParaRPr lang="ko-KR" altLang="en-US"/>
+          </a:p>
+        </p:txBody>
+      </p:sp>
+      <p:sp>
+        <p:nvSpPr>
+          <p:cNvPr id="33" name="화살표: 오른쪽 32">
+            <a:extLst>
+              <a:ext uri="{FF2B5EF4-FFF2-40B4-BE49-F238E27FC236}">
+                <a16:creationId xmlns:a16="http://schemas.microsoft.com/office/drawing/2014/main" id="{614DAF29-4A61-4A7F-B5AB-4114F9BDC074}"/>
+              </a:ext>
+            </a:extLst>
+          </p:cNvPr>
+          <p:cNvSpPr/>
+          <p:nvPr/>
+        </p:nvSpPr>
+        <p:spPr>
+          <a:xfrm rot="10800000">
+            <a:off x="9898118" y="3181288"/>
+            <a:ext cx="260392" cy="175614"/>
+          </a:xfrm>
+          <a:prstGeom prst="rightArrow">
+            <a:avLst/>
+          </a:prstGeom>
+        </p:spPr>
+        <p:style>
+          <a:lnRef idx="2">
+            <a:schemeClr val="accent1">
+              <a:shade val="50000"/>
+            </a:schemeClr>
+          </a:lnRef>
+          <a:fillRef idx="1">
+            <a:schemeClr val="accent1"/>
+          </a:fillRef>
+          <a:effectRef idx="0">
+            <a:schemeClr val="accent1"/>
+          </a:effectRef>
+          <a:fontRef idx="minor">
+            <a:schemeClr val="lt1"/>
+          </a:fontRef>
+        </p:style>
+        <p:txBody>
+          <a:bodyPr rtlCol="0" anchor="ctr"/>
+          <a:lstStyle/>
+          <a:p>
+            <a:pPr algn="ctr"/>
+            <a:endParaRPr lang="ko-KR" altLang="en-US"/>
+          </a:p>
+        </p:txBody>
+      </p:sp>
+      <p:sp>
+        <p:nvSpPr>
+          <p:cNvPr id="34" name="TextBox 33">
+            <a:extLst>
+              <a:ext uri="{FF2B5EF4-FFF2-40B4-BE49-F238E27FC236}">
+                <a16:creationId xmlns:a16="http://schemas.microsoft.com/office/drawing/2014/main" id="{C0977CA9-94D2-43AA-B42D-F0F1E85FF619}"/>
+              </a:ext>
+            </a:extLst>
+          </p:cNvPr>
+          <p:cNvSpPr txBox="1"/>
+          <p:nvPr/>
+        </p:nvSpPr>
+        <p:spPr>
+          <a:xfrm>
+            <a:off x="9675005" y="2512804"/>
+            <a:ext cx="667830" cy="246221"/>
+          </a:xfrm>
+          <a:prstGeom prst="rect">
+            <a:avLst/>
+          </a:prstGeom>
+          <a:noFill/>
+        </p:spPr>
+        <p:txBody>
+          <a:bodyPr wrap="square" rtlCol="0">
+            <a:spAutoFit/>
+          </a:bodyPr>
+          <a:lstStyle/>
+          <a:p>
+            <a:r>
+              <a:rPr lang="en-US" altLang="ko-KR" sz="1000" dirty="0"/>
+              <a:t>[</a:t>
+            </a:r>
+            <a:r>
+              <a:rPr lang="en-US" altLang="ko-KR" sz="1000" dirty="0">
+                <a:solidFill>
+                  <a:srgbClr val="FF0000"/>
+                </a:solidFill>
+              </a:rPr>
+              <a:t> </a:t>
+            </a:r>
+            <a:r>
+              <a:rPr lang="en-US" altLang="ko-KR" sz="1000" dirty="0" err="1">
+                <a:solidFill>
+                  <a:srgbClr val="FF0000"/>
+                </a:solidFill>
+              </a:rPr>
+              <a:t>i</a:t>
+            </a:r>
+            <a:r>
+              <a:rPr lang="en-US" altLang="ko-KR" sz="1000" dirty="0">
+                <a:solidFill>
+                  <a:srgbClr val="FF0000"/>
+                </a:solidFill>
+              </a:rPr>
+              <a:t>, a, o </a:t>
+            </a:r>
+            <a:r>
+              <a:rPr lang="en-US" altLang="ko-KR" sz="1000" dirty="0"/>
+              <a:t>]</a:t>
+            </a:r>
+            <a:endParaRPr lang="ko-KR" altLang="en-US" sz="1000" dirty="0"/>
+          </a:p>
+        </p:txBody>
+      </p:sp>
+      <p:sp>
+        <p:nvSpPr>
+          <p:cNvPr id="35" name="TextBox 34">
+            <a:extLst>
+              <a:ext uri="{FF2B5EF4-FFF2-40B4-BE49-F238E27FC236}">
+                <a16:creationId xmlns:a16="http://schemas.microsoft.com/office/drawing/2014/main" id="{96683103-3B2A-45F0-9D2F-7BD9529D4F24}"/>
+              </a:ext>
+            </a:extLst>
+          </p:cNvPr>
+          <p:cNvSpPr txBox="1"/>
+          <p:nvPr/>
+        </p:nvSpPr>
+        <p:spPr>
+          <a:xfrm>
+            <a:off x="9790462" y="3409403"/>
+            <a:ext cx="567514" cy="246221"/>
+          </a:xfrm>
+          <a:prstGeom prst="rect">
+            <a:avLst/>
+          </a:prstGeom>
+          <a:noFill/>
+        </p:spPr>
+        <p:txBody>
+          <a:bodyPr wrap="square" rtlCol="0">
+            <a:spAutoFit/>
+          </a:bodyPr>
+          <a:lstStyle/>
+          <a:p>
+            <a:r>
+              <a:rPr lang="en-US" altLang="ko-KR" sz="1000" dirty="0"/>
+              <a:t>[</a:t>
+            </a:r>
+            <a:r>
+              <a:rPr lang="en-US" altLang="ko-KR" sz="1000" dirty="0">
+                <a:solidFill>
+                  <a:srgbClr val="FF0000"/>
+                </a:solidFill>
+              </a:rPr>
+              <a:t> ESC </a:t>
+            </a:r>
+            <a:r>
+              <a:rPr lang="en-US" altLang="ko-KR" sz="1000" dirty="0"/>
+              <a:t>]</a:t>
+            </a:r>
+            <a:endParaRPr lang="ko-KR" altLang="en-US" sz="1000" dirty="0"/>
+          </a:p>
+        </p:txBody>
+      </p:sp>
+      <p:sp>
+        <p:nvSpPr>
+          <p:cNvPr id="36" name="TextBox 35">
+            <a:extLst>
+              <a:ext uri="{FF2B5EF4-FFF2-40B4-BE49-F238E27FC236}">
+                <a16:creationId xmlns:a16="http://schemas.microsoft.com/office/drawing/2014/main" id="{F87AA074-A11C-4379-840D-A23BA7E0EEEC}"/>
+              </a:ext>
+            </a:extLst>
+          </p:cNvPr>
+          <p:cNvSpPr txBox="1"/>
+          <p:nvPr/>
+        </p:nvSpPr>
+        <p:spPr>
+          <a:xfrm>
+            <a:off x="8408962" y="3599491"/>
+            <a:ext cx="386764" cy="246221"/>
+          </a:xfrm>
+          <a:prstGeom prst="rect">
+            <a:avLst/>
+          </a:prstGeom>
+          <a:noFill/>
+        </p:spPr>
+        <p:txBody>
+          <a:bodyPr wrap="square" rtlCol="0">
+            <a:spAutoFit/>
+          </a:bodyPr>
+          <a:lstStyle/>
+          <a:p>
+            <a:r>
+              <a:rPr lang="en-US" altLang="ko-KR" sz="1000" dirty="0"/>
+              <a:t>[</a:t>
+            </a:r>
+            <a:r>
+              <a:rPr lang="en-US" altLang="ko-KR" sz="1000" dirty="0">
+                <a:solidFill>
+                  <a:srgbClr val="FF0000"/>
+                </a:solidFill>
+              </a:rPr>
+              <a:t> : </a:t>
+            </a:r>
+            <a:r>
+              <a:rPr lang="en-US" altLang="ko-KR" sz="1000" dirty="0"/>
+              <a:t>]</a:t>
+            </a:r>
+            <a:endParaRPr lang="ko-KR" altLang="en-US" sz="1000" dirty="0"/>
+          </a:p>
+        </p:txBody>
+      </p:sp>
+      <p:sp>
+        <p:nvSpPr>
+          <p:cNvPr id="37" name="화살표: 오른쪽 36">
+            <a:extLst>
+              <a:ext uri="{FF2B5EF4-FFF2-40B4-BE49-F238E27FC236}">
+                <a16:creationId xmlns:a16="http://schemas.microsoft.com/office/drawing/2014/main" id="{065A0B67-BBF1-4952-9971-E3CEAA85DB02}"/>
+              </a:ext>
+            </a:extLst>
+          </p:cNvPr>
+          <p:cNvSpPr/>
+          <p:nvPr/>
+        </p:nvSpPr>
+        <p:spPr>
+          <a:xfrm rot="5400000">
+            <a:off x="8768477" y="3659681"/>
+            <a:ext cx="260392" cy="175614"/>
+          </a:xfrm>
+          <a:prstGeom prst="rightArrow">
+            <a:avLst/>
+          </a:prstGeom>
+        </p:spPr>
+        <p:style>
+          <a:lnRef idx="2">
+            <a:schemeClr val="accent1">
+              <a:shade val="50000"/>
+            </a:schemeClr>
+          </a:lnRef>
+          <a:fillRef idx="1">
+            <a:schemeClr val="accent1"/>
+          </a:fillRef>
+          <a:effectRef idx="0">
+            <a:schemeClr val="accent1"/>
+          </a:effectRef>
+          <a:fontRef idx="minor">
+            <a:schemeClr val="lt1"/>
+          </a:fontRef>
+        </p:style>
+        <p:txBody>
+          <a:bodyPr rtlCol="0" anchor="ctr"/>
+          <a:lstStyle/>
+          <a:p>
+            <a:pPr algn="ctr"/>
+            <a:endParaRPr lang="ko-KR" altLang="en-US"/>
+          </a:p>
+        </p:txBody>
+      </p:sp>
+      <p:sp>
+        <p:nvSpPr>
+          <p:cNvPr id="38" name="TextBox 37">
+            <a:extLst>
+              <a:ext uri="{FF2B5EF4-FFF2-40B4-BE49-F238E27FC236}">
+                <a16:creationId xmlns:a16="http://schemas.microsoft.com/office/drawing/2014/main" id="{28887D4E-84D6-4D9F-AE42-BA8181B6783B}"/>
+              </a:ext>
+            </a:extLst>
+          </p:cNvPr>
+          <p:cNvSpPr txBox="1"/>
+          <p:nvPr/>
+        </p:nvSpPr>
+        <p:spPr>
+          <a:xfrm>
+            <a:off x="7726332" y="4171730"/>
+            <a:ext cx="516591" cy="246221"/>
+          </a:xfrm>
+          <a:prstGeom prst="rect">
+            <a:avLst/>
+          </a:prstGeom>
+          <a:noFill/>
+        </p:spPr>
+        <p:txBody>
+          <a:bodyPr wrap="square" rtlCol="0">
+            <a:spAutoFit/>
+          </a:bodyPr>
+          <a:lstStyle/>
+          <a:p>
+            <a:r>
+              <a:rPr lang="en-US" altLang="ko-KR" sz="1000" dirty="0"/>
+              <a:t>[</a:t>
+            </a:r>
+            <a:r>
+              <a:rPr lang="en-US" altLang="ko-KR" sz="1000" dirty="0">
+                <a:solidFill>
+                  <a:srgbClr val="FF0000"/>
+                </a:solidFill>
+              </a:rPr>
+              <a:t> :</a:t>
+            </a:r>
+            <a:r>
+              <a:rPr lang="en-US" altLang="ko-KR" sz="1000" dirty="0" err="1">
+                <a:solidFill>
+                  <a:srgbClr val="FF0000"/>
+                </a:solidFill>
+              </a:rPr>
+              <a:t>wq</a:t>
+            </a:r>
+            <a:r>
+              <a:rPr lang="en-US" altLang="ko-KR" sz="1000" dirty="0">
+                <a:solidFill>
+                  <a:srgbClr val="FF0000"/>
+                </a:solidFill>
+              </a:rPr>
+              <a:t> </a:t>
+            </a:r>
+            <a:r>
+              <a:rPr lang="en-US" altLang="ko-KR" sz="1000" dirty="0"/>
+              <a:t>]</a:t>
+            </a:r>
+            <a:endParaRPr lang="ko-KR" altLang="en-US" sz="1000" dirty="0"/>
+          </a:p>
+        </p:txBody>
+      </p:sp>
+      <p:sp>
+        <p:nvSpPr>
+          <p:cNvPr id="39" name="화살표: 오른쪽 38">
+            <a:extLst>
+              <a:ext uri="{FF2B5EF4-FFF2-40B4-BE49-F238E27FC236}">
+                <a16:creationId xmlns:a16="http://schemas.microsoft.com/office/drawing/2014/main" id="{00D2EE2D-E6EC-41A9-B30D-6F25B6DCEE51}"/>
+              </a:ext>
+            </a:extLst>
+          </p:cNvPr>
+          <p:cNvSpPr/>
+          <p:nvPr/>
+        </p:nvSpPr>
+        <p:spPr>
+          <a:xfrm rot="16200000">
+            <a:off x="8994653" y="3658036"/>
+            <a:ext cx="260392" cy="175614"/>
+          </a:xfrm>
+          <a:prstGeom prst="rightArrow">
+            <a:avLst/>
+          </a:prstGeom>
+        </p:spPr>
+        <p:style>
+          <a:lnRef idx="2">
+            <a:schemeClr val="accent1">
+              <a:shade val="50000"/>
+            </a:schemeClr>
+          </a:lnRef>
+          <a:fillRef idx="1">
+            <a:schemeClr val="accent1"/>
+          </a:fillRef>
+          <a:effectRef idx="0">
+            <a:schemeClr val="accent1"/>
+          </a:effectRef>
+          <a:fontRef idx="minor">
+            <a:schemeClr val="lt1"/>
+          </a:fontRef>
+        </p:style>
+        <p:txBody>
+          <a:bodyPr rtlCol="0" anchor="ctr"/>
+          <a:lstStyle/>
+          <a:p>
+            <a:pPr algn="ctr"/>
+            <a:endParaRPr lang="ko-KR" altLang="en-US"/>
+          </a:p>
+        </p:txBody>
+      </p:sp>
+      <p:sp>
+        <p:nvSpPr>
+          <p:cNvPr id="41" name="TextBox 40">
+            <a:extLst>
+              <a:ext uri="{FF2B5EF4-FFF2-40B4-BE49-F238E27FC236}">
+                <a16:creationId xmlns:a16="http://schemas.microsoft.com/office/drawing/2014/main" id="{AE07409E-E44A-4471-86BE-F6F765F26CDA}"/>
+              </a:ext>
+            </a:extLst>
+          </p:cNvPr>
+          <p:cNvSpPr txBox="1"/>
+          <p:nvPr/>
+        </p:nvSpPr>
+        <p:spPr>
+          <a:xfrm>
+            <a:off x="9248468" y="3599491"/>
+            <a:ext cx="386764" cy="246221"/>
+          </a:xfrm>
+          <a:prstGeom prst="rect">
+            <a:avLst/>
+          </a:prstGeom>
+          <a:noFill/>
+        </p:spPr>
+        <p:txBody>
+          <a:bodyPr wrap="square" rtlCol="0">
+            <a:spAutoFit/>
+          </a:bodyPr>
+          <a:lstStyle/>
+          <a:p>
+            <a:r>
+              <a:rPr lang="en-US" altLang="ko-KR" sz="1000" dirty="0"/>
+              <a:t>[</a:t>
+            </a:r>
+            <a:r>
+              <a:rPr lang="en-US" altLang="ko-KR" sz="1000" dirty="0">
+                <a:solidFill>
+                  <a:srgbClr val="FF0000"/>
+                </a:solidFill>
+              </a:rPr>
+              <a:t>  </a:t>
+            </a:r>
+            <a:r>
+              <a:rPr lang="en-US" altLang="ko-KR" sz="1000" dirty="0"/>
+              <a:t>]</a:t>
+            </a:r>
+            <a:endParaRPr lang="ko-KR" altLang="en-US" sz="1000" dirty="0"/>
+          </a:p>
+        </p:txBody>
+      </p:sp>
+    </p:spTree>
+    <p:extLst>
+      <p:ext uri="{BB962C8B-B14F-4D97-AF65-F5344CB8AC3E}">
+        <p14:creationId xmlns:p14="http://schemas.microsoft.com/office/powerpoint/2010/main" val="4222544677"/>
+      </p:ext>
+    </p:extLst>
+  </p:cSld>
+  <p:clrMapOvr>
+    <a:masterClrMapping/>
+  </p:clrMapOvr>
+</p:sld>
+</file>
+
+<file path=ppt/slides/slide22.xml><?xml version="1.0" encoding="utf-8"?>
+<p:sld xmlns:a="http://schemas.openxmlformats.org/drawingml/2006/main" xmlns:r="http://schemas.openxmlformats.org/officeDocument/2006/relationships" xmlns:p="http://schemas.openxmlformats.org/presentationml/2006/main">
+  <p:cSld>
+    <p:spTree>
+      <p:nvGrpSpPr>
+        <p:cNvPr id="1" name=""/>
+        <p:cNvGrpSpPr/>
+        <p:nvPr/>
+      </p:nvGrpSpPr>
+      <p:grpSpPr>
+        <a:xfrm>
+          <a:off x="0" y="0"/>
+          <a:ext cx="0" cy="0"/>
+          <a:chOff x="0" y="0"/>
+          <a:chExt cx="0" cy="0"/>
+        </a:xfrm>
+      </p:grpSpPr>
+      <p:sp>
+        <p:nvSpPr>
+          <p:cNvPr id="2" name="제목 1">
+            <a:extLst>
+              <a:ext uri="{FF2B5EF4-FFF2-40B4-BE49-F238E27FC236}">
+                <a16:creationId xmlns:a16="http://schemas.microsoft.com/office/drawing/2014/main" id="{25E60E50-7DA3-41F4-B92E-B8A0C30C592F}"/>
+              </a:ext>
+            </a:extLst>
+          </p:cNvPr>
+          <p:cNvSpPr>
+            <a:spLocks noGrp="1"/>
+          </p:cNvSpPr>
+          <p:nvPr>
+            <p:ph type="title"/>
+          </p:nvPr>
+        </p:nvSpPr>
+        <p:spPr/>
+        <p:txBody>
+          <a:bodyPr>
+            <a:normAutofit/>
+          </a:bodyPr>
+          <a:lstStyle/>
+          <a:p>
+            <a:pPr>
+              <a:lnSpc>
+                <a:spcPct val="100000"/>
+              </a:lnSpc>
+            </a:pPr>
+            <a:r>
+              <a:rPr lang="en-US" altLang="ko-KR" sz="2000" b="1" dirty="0">
+                <a:solidFill>
+                  <a:schemeClr val="bg1">
+                    <a:lumMod val="65000"/>
+                  </a:schemeClr>
+                </a:solidFill>
+              </a:rPr>
+              <a:t>/Theory/T2/22</a:t>
+            </a:r>
+            <a:br>
+              <a:rPr lang="en-US" altLang="ko-KR" dirty="0"/>
+            </a:br>
+            <a:r>
+              <a:rPr lang="en-US" altLang="ko-KR" dirty="0"/>
+              <a:t> </a:t>
+            </a:r>
+            <a:r>
+              <a:rPr lang="en-US" altLang="ko-KR" sz="4400" kern="0" spc="0" dirty="0">
+                <a:solidFill>
+                  <a:srgbClr val="000000"/>
+                </a:solidFill>
+                <a:effectLst/>
+                <a:latin typeface="함초롬바탕" panose="02030604000101010101" pitchFamily="18" charset="-127"/>
+              </a:rPr>
+              <a:t># vi : </a:t>
+            </a:r>
+            <a:r>
+              <a:rPr lang="ko-KR" altLang="en-US" sz="4400" kern="0" spc="0" dirty="0">
+                <a:solidFill>
+                  <a:srgbClr val="000000"/>
+                </a:solidFill>
+                <a:effectLst/>
+                <a:latin typeface="함초롬바탕" panose="02030604000101010101" pitchFamily="18" charset="-127"/>
+              </a:rPr>
+              <a:t>리눅스 기본 편집기</a:t>
+            </a:r>
+            <a:endParaRPr lang="ko-KR" altLang="en-US" dirty="0"/>
+          </a:p>
+        </p:txBody>
+      </p:sp>
+      <p:sp>
+        <p:nvSpPr>
+          <p:cNvPr id="14" name="화살표: 오른쪽 13">
+            <a:hlinkClick r:id="rId2" action="ppaction://hlinksldjump"/>
+            <a:extLst>
+              <a:ext uri="{FF2B5EF4-FFF2-40B4-BE49-F238E27FC236}">
+                <a16:creationId xmlns:a16="http://schemas.microsoft.com/office/drawing/2014/main" id="{78E894EA-CB3A-417A-BB90-6C11026537FC}"/>
+              </a:ext>
+            </a:extLst>
+          </p:cNvPr>
+          <p:cNvSpPr/>
+          <p:nvPr/>
+        </p:nvSpPr>
+        <p:spPr>
+          <a:xfrm flipH="1">
+            <a:off x="580444" y="596349"/>
+            <a:ext cx="257755" cy="206099"/>
+          </a:xfrm>
+          <a:prstGeom prst="rightArrow">
+            <a:avLst>
+              <a:gd name="adj1" fmla="val 50000"/>
+              <a:gd name="adj2" fmla="val 73148"/>
+            </a:avLst>
+          </a:prstGeom>
+          <a:solidFill>
+            <a:srgbClr val="A6A6A6"/>
+          </a:solidFill>
+          <a:ln>
+            <a:noFill/>
+          </a:ln>
+        </p:spPr>
+        <p:style>
+          <a:lnRef idx="2">
+            <a:schemeClr val="accent1">
+              <a:shade val="50000"/>
+            </a:schemeClr>
+          </a:lnRef>
+          <a:fillRef idx="1">
+            <a:schemeClr val="accent1"/>
+          </a:fillRef>
+          <a:effectRef idx="0">
+            <a:schemeClr val="accent1"/>
+          </a:effectRef>
+          <a:fontRef idx="minor">
+            <a:schemeClr val="lt1"/>
+          </a:fontRef>
+        </p:style>
+        <p:txBody>
+          <a:bodyPr rtlCol="0" anchor="ctr"/>
+          <a:lstStyle/>
+          <a:p>
+            <a:pPr algn="ctr"/>
+            <a:endParaRPr lang="ko-KR" altLang="en-US"/>
+          </a:p>
+        </p:txBody>
+      </p:sp>
+      <p:grpSp>
+        <p:nvGrpSpPr>
+          <p:cNvPr id="13" name="그룹 12">
+            <a:extLst>
+              <a:ext uri="{FF2B5EF4-FFF2-40B4-BE49-F238E27FC236}">
+                <a16:creationId xmlns:a16="http://schemas.microsoft.com/office/drawing/2014/main" id="{97EF28E3-54CF-4B2E-8345-3194B60F3742}"/>
+              </a:ext>
+            </a:extLst>
+          </p:cNvPr>
+          <p:cNvGrpSpPr/>
+          <p:nvPr/>
+        </p:nvGrpSpPr>
+        <p:grpSpPr>
+          <a:xfrm>
+            <a:off x="11593737" y="6457890"/>
+            <a:ext cx="678993" cy="400110"/>
+            <a:chOff x="10627762" y="-30288"/>
+            <a:chExt cx="597159" cy="400110"/>
+          </a:xfrm>
+        </p:grpSpPr>
+        <p:sp>
+          <p:nvSpPr>
+            <p:cNvPr id="15" name="사각형: 둥근 모서리 14">
+              <a:extLst>
+                <a:ext uri="{FF2B5EF4-FFF2-40B4-BE49-F238E27FC236}">
+                  <a16:creationId xmlns:a16="http://schemas.microsoft.com/office/drawing/2014/main" id="{5425A677-AA8C-47F9-BAEE-A171E36E2066}"/>
+                </a:ext>
+              </a:extLst>
+            </p:cNvPr>
+            <p:cNvSpPr/>
+            <p:nvPr/>
+          </p:nvSpPr>
+          <p:spPr>
+            <a:xfrm>
+              <a:off x="10675841" y="11905"/>
+              <a:ext cx="464911" cy="338139"/>
+            </a:xfrm>
+            <a:prstGeom prst="roundRect">
+              <a:avLst/>
+            </a:prstGeom>
+            <a:solidFill>
+              <a:schemeClr val="accent6">
+                <a:lumMod val="20000"/>
+                <a:lumOff val="80000"/>
+              </a:schemeClr>
+            </a:solidFill>
+            <a:ln>
+              <a:solidFill>
+                <a:schemeClr val="accent6">
+                  <a:lumMod val="60000"/>
+                  <a:lumOff val="40000"/>
+                </a:schemeClr>
+              </a:solidFill>
+            </a:ln>
+          </p:spPr>
+          <p:style>
+            <a:lnRef idx="2">
+              <a:schemeClr val="accent1">
+                <a:shade val="50000"/>
+              </a:schemeClr>
+            </a:lnRef>
+            <a:fillRef idx="1">
+              <a:schemeClr val="accent1"/>
+            </a:fillRef>
+            <a:effectRef idx="0">
+              <a:schemeClr val="accent1"/>
+            </a:effectRef>
+            <a:fontRef idx="minor">
+              <a:schemeClr val="lt1"/>
+            </a:fontRef>
+          </p:style>
+          <p:txBody>
+            <a:bodyPr rtlCol="0" anchor="ctr"/>
+            <a:lstStyle/>
+            <a:p>
+              <a:pPr algn="ctr"/>
+              <a:endParaRPr lang="ko-KR" altLang="en-US"/>
+            </a:p>
+          </p:txBody>
+        </p:sp>
+        <p:sp>
+          <p:nvSpPr>
+            <p:cNvPr id="18" name="TextBox 17">
+              <a:extLst>
+                <a:ext uri="{FF2B5EF4-FFF2-40B4-BE49-F238E27FC236}">
+                  <a16:creationId xmlns:a16="http://schemas.microsoft.com/office/drawing/2014/main" id="{79087E42-CAF8-4ED4-AAC9-6CF26EAB766F}"/>
+                </a:ext>
+              </a:extLst>
+            </p:cNvPr>
+            <p:cNvSpPr txBox="1"/>
+            <p:nvPr/>
+          </p:nvSpPr>
+          <p:spPr>
+            <a:xfrm>
+              <a:off x="10627762" y="-30288"/>
+              <a:ext cx="597159" cy="400110"/>
+            </a:xfrm>
+            <a:prstGeom prst="rect">
+              <a:avLst/>
+            </a:prstGeom>
+            <a:noFill/>
+          </p:spPr>
+          <p:txBody>
+            <a:bodyPr wrap="square" rtlCol="0">
+              <a:spAutoFit/>
+            </a:bodyPr>
+            <a:lstStyle/>
+            <a:p>
+              <a:r>
+                <a:rPr lang="en-US" altLang="ko-KR" sz="1000" b="1" dirty="0">
+                  <a:solidFill>
+                    <a:schemeClr val="bg2">
+                      <a:lumMod val="50000"/>
+                    </a:schemeClr>
+                  </a:solidFill>
+                </a:rPr>
+                <a:t>L I N K</a:t>
+              </a:r>
+              <a:endParaRPr lang="ko-KR" altLang="en-US" sz="1000" b="1" dirty="0">
+                <a:solidFill>
+                  <a:schemeClr val="bg2">
+                    <a:lumMod val="50000"/>
+                  </a:schemeClr>
+                </a:solidFill>
+              </a:endParaRPr>
+            </a:p>
+          </p:txBody>
+        </p:sp>
+        <p:sp>
+          <p:nvSpPr>
+            <p:cNvPr id="19" name="화살표: 오른쪽 18">
+              <a:hlinkClick r:id="" action="ppaction://noaction"/>
+              <a:extLst>
+                <a:ext uri="{FF2B5EF4-FFF2-40B4-BE49-F238E27FC236}">
+                  <a16:creationId xmlns:a16="http://schemas.microsoft.com/office/drawing/2014/main" id="{64F038EA-AC67-46E4-A7F9-6EA58B342B1D}"/>
+                </a:ext>
+              </a:extLst>
+            </p:cNvPr>
+            <p:cNvSpPr/>
+            <p:nvPr/>
+          </p:nvSpPr>
+          <p:spPr>
+            <a:xfrm flipH="1">
+              <a:off x="10773860" y="150995"/>
+              <a:ext cx="251325" cy="187144"/>
+            </a:xfrm>
+            <a:prstGeom prst="rightArrow">
+              <a:avLst>
+                <a:gd name="adj1" fmla="val 50000"/>
+                <a:gd name="adj2" fmla="val 73148"/>
+              </a:avLst>
+            </a:prstGeom>
+            <a:solidFill>
+              <a:schemeClr val="accent6">
+                <a:lumMod val="50000"/>
+              </a:schemeClr>
+            </a:solidFill>
+            <a:ln>
+              <a:noFill/>
+            </a:ln>
+          </p:spPr>
+          <p:style>
+            <a:lnRef idx="2">
+              <a:schemeClr val="accent1">
+                <a:shade val="50000"/>
+              </a:schemeClr>
+            </a:lnRef>
+            <a:fillRef idx="1">
+              <a:schemeClr val="accent1"/>
+            </a:fillRef>
+            <a:effectRef idx="0">
+              <a:schemeClr val="accent1"/>
+            </a:effectRef>
+            <a:fontRef idx="minor">
+              <a:schemeClr val="lt1"/>
+            </a:fontRef>
+          </p:style>
+          <p:txBody>
+            <a:bodyPr rtlCol="0" anchor="ctr"/>
+            <a:lstStyle/>
+            <a:p>
+              <a:pPr algn="ctr"/>
+              <a:endParaRPr lang="ko-KR" altLang="en-US"/>
+            </a:p>
+          </p:txBody>
+        </p:sp>
+      </p:grpSp>
+      <p:graphicFrame>
+        <p:nvGraphicFramePr>
+          <p:cNvPr id="40" name="내용 개체 틀 3">
+            <a:extLst>
+              <a:ext uri="{FF2B5EF4-FFF2-40B4-BE49-F238E27FC236}">
+                <a16:creationId xmlns:a16="http://schemas.microsoft.com/office/drawing/2014/main" id="{D0530845-4185-455A-9514-70D5BAA7BC4E}"/>
+              </a:ext>
+            </a:extLst>
+          </p:cNvPr>
+          <p:cNvGraphicFramePr>
+            <a:graphicFrameLocks/>
+          </p:cNvGraphicFramePr>
+          <p:nvPr/>
+        </p:nvGraphicFramePr>
+        <p:xfrm>
+          <a:off x="1743398" y="2663161"/>
+          <a:ext cx="7951664" cy="1531678"/>
+        </p:xfrm>
+        <a:graphic>
+          <a:graphicData uri="http://schemas.openxmlformats.org/drawingml/2006/table">
+            <a:tbl>
+              <a:tblPr/>
+              <a:tblGrid>
+                <a:gridCol w="2529175">
+                  <a:extLst>
+                    <a:ext uri="{9D8B030D-6E8A-4147-A177-3AD203B41FA5}">
+                      <a16:colId xmlns:a16="http://schemas.microsoft.com/office/drawing/2014/main" val="1593522546"/>
+                    </a:ext>
+                  </a:extLst>
+                </a:gridCol>
+                <a:gridCol w="5422489">
+                  <a:extLst>
+                    <a:ext uri="{9D8B030D-6E8A-4147-A177-3AD203B41FA5}">
+                      <a16:colId xmlns:a16="http://schemas.microsoft.com/office/drawing/2014/main" val="1964046374"/>
+                    </a:ext>
+                  </a:extLst>
+                </a:gridCol>
+              </a:tblGrid>
+              <a:tr h="157936">
+                <a:tc>
+                  <a:txBody>
+                    <a:bodyPr/>
+                    <a:lstStyle/>
+                    <a:p>
+                      <a:pPr marL="0" marR="0" indent="0" algn="ctr" fontAlgn="base" latinLnBrk="0">
+                        <a:lnSpc>
+                          <a:spcPct val="160000"/>
+                        </a:lnSpc>
+                        <a:spcBef>
+                          <a:spcPts val="0"/>
+                        </a:spcBef>
+                        <a:spcAft>
+                          <a:spcPts val="0"/>
+                        </a:spcAft>
+                      </a:pPr>
+                      <a:r>
+                        <a:rPr lang="ko-KR" altLang="en-US" sz="1000" kern="0" spc="0" dirty="0">
+                          <a:solidFill>
+                            <a:srgbClr val="000000"/>
+                          </a:solidFill>
+                          <a:effectLst/>
+                          <a:latin typeface="함초롬바탕" panose="02030604000101010101" pitchFamily="18" charset="-127"/>
+                        </a:rPr>
+                        <a:t>명령어</a:t>
+                      </a:r>
+                    </a:p>
+                  </a:txBody>
+                  <a:tcPr marL="64770" marR="64770" marT="17907" marB="17907" anchor="ctr">
+                    <a:lnL w="3556" cap="flat" cmpd="sng" algn="ctr">
+                      <a:solidFill>
+                        <a:srgbClr val="000000"/>
+                      </a:solidFill>
+                      <a:prstDash val="solid"/>
+                      <a:round/>
+                      <a:headEnd type="none" w="med" len="med"/>
+                      <a:tailEnd type="none" w="med" len="med"/>
+                    </a:lnL>
+                    <a:lnR w="3556" cap="flat" cmpd="sng" algn="ctr">
+                      <a:solidFill>
+                        <a:srgbClr val="000000"/>
+                      </a:solidFill>
+                      <a:prstDash val="solid"/>
+                      <a:round/>
+                      <a:headEnd type="none" w="med" len="med"/>
+                      <a:tailEnd type="none" w="med" len="med"/>
+                    </a:lnR>
+                    <a:lnT w="3556" cap="flat" cmpd="sng" algn="ctr">
+                      <a:solidFill>
+                        <a:srgbClr val="000000"/>
+                      </a:solidFill>
+                      <a:prstDash val="solid"/>
+                      <a:round/>
+                      <a:headEnd type="none" w="med" len="med"/>
+                      <a:tailEnd type="none" w="med" len="med"/>
+                    </a:lnT>
+                    <a:lnB w="3556" cap="flat" cmpd="sng" algn="ctr">
+                      <a:solidFill>
+                        <a:srgbClr val="000000"/>
+                      </a:solidFill>
+                      <a:prstDash val="solid"/>
+                      <a:round/>
+                      <a:headEnd type="none" w="med" len="med"/>
+                      <a:tailEnd type="none" w="med" len="med"/>
+                    </a:lnB>
+                    <a:solidFill>
+                      <a:schemeClr val="bg1">
+                        <a:lumMod val="85000"/>
+                      </a:schemeClr>
+                    </a:solidFill>
+                  </a:tcPr>
+                </a:tc>
+                <a:tc>
+                  <a:txBody>
+                    <a:bodyPr/>
+                    <a:lstStyle/>
+                    <a:p>
+                      <a:pPr marL="0" marR="0" indent="0" algn="ctr" fontAlgn="base" latinLnBrk="0">
+                        <a:lnSpc>
+                          <a:spcPct val="160000"/>
+                        </a:lnSpc>
+                        <a:spcBef>
+                          <a:spcPts val="0"/>
+                        </a:spcBef>
+                        <a:spcAft>
+                          <a:spcPts val="0"/>
+                        </a:spcAft>
+                      </a:pPr>
+                      <a:r>
+                        <a:rPr lang="ko-KR" altLang="en-US" sz="1000" kern="0" spc="0" dirty="0">
+                          <a:solidFill>
+                            <a:srgbClr val="000000"/>
+                          </a:solidFill>
+                          <a:effectLst/>
+                          <a:latin typeface="함초롬바탕" panose="02030604000101010101" pitchFamily="18" charset="-127"/>
+                        </a:rPr>
+                        <a:t>설명</a:t>
+                      </a:r>
+                    </a:p>
+                  </a:txBody>
+                  <a:tcPr marL="64770" marR="64770" marT="17907" marB="17907" anchor="ctr">
+                    <a:lnL w="3556" cap="flat" cmpd="sng" algn="ctr">
+                      <a:solidFill>
+                        <a:srgbClr val="000000"/>
+                      </a:solidFill>
+                      <a:prstDash val="solid"/>
+                      <a:round/>
+                      <a:headEnd type="none" w="med" len="med"/>
+                      <a:tailEnd type="none" w="med" len="med"/>
+                    </a:lnL>
+                    <a:lnR w="3556" cap="flat" cmpd="sng" algn="ctr">
+                      <a:solidFill>
+                        <a:srgbClr val="000000"/>
+                      </a:solidFill>
+                      <a:prstDash val="solid"/>
+                      <a:round/>
+                      <a:headEnd type="none" w="med" len="med"/>
+                      <a:tailEnd type="none" w="med" len="med"/>
+                    </a:lnR>
+                    <a:lnT w="3556" cap="flat" cmpd="sng" algn="ctr">
+                      <a:solidFill>
+                        <a:srgbClr val="000000"/>
+                      </a:solidFill>
+                      <a:prstDash val="solid"/>
+                      <a:round/>
+                      <a:headEnd type="none" w="med" len="med"/>
+                      <a:tailEnd type="none" w="med" len="med"/>
+                    </a:lnT>
+                    <a:lnB w="3556" cap="flat" cmpd="sng" algn="ctr">
+                      <a:solidFill>
+                        <a:srgbClr val="000000"/>
+                      </a:solidFill>
+                      <a:prstDash val="solid"/>
+                      <a:round/>
+                      <a:headEnd type="none" w="med" len="med"/>
+                      <a:tailEnd type="none" w="med" len="med"/>
+                    </a:lnB>
+                    <a:solidFill>
+                      <a:schemeClr val="bg1">
+                        <a:lumMod val="85000"/>
+                      </a:schemeClr>
+                    </a:solidFill>
+                  </a:tcPr>
+                </a:tc>
+                <a:extLst>
+                  <a:ext uri="{0D108BD9-81ED-4DB2-BD59-A6C34878D82A}">
+                    <a16:rowId xmlns:a16="http://schemas.microsoft.com/office/drawing/2014/main" val="2803706695"/>
+                  </a:ext>
+                </a:extLst>
+              </a:tr>
+              <a:tr h="157936">
+                <a:tc>
+                  <a:txBody>
+                    <a:bodyPr/>
+                    <a:lstStyle/>
+                    <a:p>
+                      <a:pPr marL="0" marR="0" lvl="0" indent="0" algn="ctr" defTabSz="914400" rtl="0" eaLnBrk="1" fontAlgn="base" latinLnBrk="0" hangingPunct="1">
+                        <a:lnSpc>
+                          <a:spcPct val="160000"/>
+                        </a:lnSpc>
+                        <a:spcBef>
+                          <a:spcPts val="0"/>
+                        </a:spcBef>
+                        <a:spcAft>
+                          <a:spcPts val="0"/>
+                        </a:spcAft>
+                        <a:buClrTx/>
+                        <a:buSzTx/>
+                        <a:buFontTx/>
+                        <a:buNone/>
+                        <a:tabLst/>
+                        <a:defRPr/>
+                      </a:pPr>
+                      <a:r>
+                        <a:rPr lang="en-US" altLang="ko-KR" sz="1000" kern="0" spc="0" dirty="0">
+                          <a:solidFill>
+                            <a:srgbClr val="000000"/>
+                          </a:solidFill>
+                          <a:effectLst/>
+                          <a:latin typeface="함초롬바탕" panose="02030604000101010101" pitchFamily="18" charset="-127"/>
+                        </a:rPr>
+                        <a:t>u</a:t>
+                      </a:r>
+                      <a:endParaRPr lang="ko-KR" altLang="en-US" sz="1000" kern="0" spc="0" dirty="0">
+                        <a:solidFill>
+                          <a:srgbClr val="000000"/>
+                        </a:solidFill>
+                        <a:effectLst/>
+                        <a:latin typeface="함초롬바탕" panose="02030604000101010101" pitchFamily="18" charset="-127"/>
+                      </a:endParaRPr>
+                    </a:p>
+                  </a:txBody>
+                  <a:tcPr marL="64770" marR="64770" marT="17907" marB="17907" anchor="ctr">
+                    <a:lnL w="3556" cap="flat" cmpd="sng" algn="ctr">
+                      <a:solidFill>
+                        <a:srgbClr val="000000"/>
+                      </a:solidFill>
+                      <a:prstDash val="solid"/>
+                      <a:round/>
+                      <a:headEnd type="none" w="med" len="med"/>
+                      <a:tailEnd type="none" w="med" len="med"/>
+                    </a:lnL>
+                    <a:lnR w="3556" cap="flat" cmpd="sng" algn="ctr">
+                      <a:solidFill>
+                        <a:srgbClr val="000000"/>
+                      </a:solidFill>
+                      <a:prstDash val="solid"/>
+                      <a:round/>
+                      <a:headEnd type="none" w="med" len="med"/>
+                      <a:tailEnd type="none" w="med" len="med"/>
+                    </a:lnR>
+                    <a:lnT w="3556" cap="flat" cmpd="sng" algn="ctr">
+                      <a:solidFill>
+                        <a:srgbClr val="000000"/>
+                      </a:solidFill>
+                      <a:prstDash val="solid"/>
+                      <a:round/>
+                      <a:headEnd type="none" w="med" len="med"/>
+                      <a:tailEnd type="none" w="med" len="med"/>
+                    </a:lnT>
+                    <a:lnB w="3556" cap="flat" cmpd="sng" algn="ctr">
+                      <a:solidFill>
+                        <a:srgbClr val="000000"/>
+                      </a:solidFill>
+                      <a:prstDash val="solid"/>
+                      <a:round/>
+                      <a:headEnd type="none" w="med" len="med"/>
+                      <a:tailEnd type="none" w="med" len="med"/>
+                    </a:lnB>
+                  </a:tcPr>
+                </a:tc>
+                <a:tc>
+                  <a:txBody>
+                    <a:bodyPr/>
+                    <a:lstStyle/>
+                    <a:p>
+                      <a:pPr marL="0" marR="0" indent="0" algn="l" fontAlgn="base" latinLnBrk="0">
+                        <a:lnSpc>
+                          <a:spcPct val="160000"/>
+                        </a:lnSpc>
+                        <a:spcBef>
+                          <a:spcPts val="0"/>
+                        </a:spcBef>
+                        <a:spcAft>
+                          <a:spcPts val="0"/>
+                        </a:spcAft>
+                      </a:pPr>
+                      <a:r>
+                        <a:rPr lang="ko-KR" altLang="en-US" sz="1000" kern="0" spc="0" dirty="0">
+                          <a:solidFill>
+                            <a:srgbClr val="000000"/>
+                          </a:solidFill>
+                          <a:effectLst/>
+                          <a:latin typeface="함초롬바탕" panose="02030604000101010101" pitchFamily="18" charset="-127"/>
+                        </a:rPr>
+                        <a:t>직전에 내린 명령을 취소</a:t>
+                      </a:r>
+                      <a:endParaRPr lang="en-US" altLang="ko-KR" sz="1000" kern="0" spc="0" dirty="0">
+                        <a:solidFill>
+                          <a:srgbClr val="000000"/>
+                        </a:solidFill>
+                        <a:effectLst/>
+                        <a:latin typeface="함초롬바탕" panose="02030604000101010101" pitchFamily="18" charset="-127"/>
+                      </a:endParaRPr>
+                    </a:p>
+                  </a:txBody>
+                  <a:tcPr marL="64770" marR="64770" marT="17907" marB="17907" anchor="ctr">
+                    <a:lnL w="3556" cap="flat" cmpd="sng" algn="ctr">
+                      <a:solidFill>
+                        <a:srgbClr val="000000"/>
+                      </a:solidFill>
+                      <a:prstDash val="solid"/>
+                      <a:round/>
+                      <a:headEnd type="none" w="med" len="med"/>
+                      <a:tailEnd type="none" w="med" len="med"/>
+                    </a:lnL>
+                    <a:lnR w="3556" cap="flat" cmpd="sng" algn="ctr">
+                      <a:solidFill>
+                        <a:srgbClr val="000000"/>
+                      </a:solidFill>
+                      <a:prstDash val="solid"/>
+                      <a:round/>
+                      <a:headEnd type="none" w="med" len="med"/>
+                      <a:tailEnd type="none" w="med" len="med"/>
+                    </a:lnR>
+                    <a:lnT w="3556" cap="flat" cmpd="sng" algn="ctr">
+                      <a:solidFill>
+                        <a:srgbClr val="000000"/>
+                      </a:solidFill>
+                      <a:prstDash val="solid"/>
+                      <a:round/>
+                      <a:headEnd type="none" w="med" len="med"/>
+                      <a:tailEnd type="none" w="med" len="med"/>
+                    </a:lnT>
+                    <a:lnB w="3556" cap="flat" cmpd="sng" algn="ctr">
+                      <a:solidFill>
+                        <a:srgbClr val="000000"/>
+                      </a:solidFill>
+                      <a:prstDash val="solid"/>
+                      <a:round/>
+                      <a:headEnd type="none" w="med" len="med"/>
+                      <a:tailEnd type="none" w="med" len="med"/>
+                    </a:lnB>
+                  </a:tcPr>
+                </a:tc>
+                <a:extLst>
+                  <a:ext uri="{0D108BD9-81ED-4DB2-BD59-A6C34878D82A}">
+                    <a16:rowId xmlns:a16="http://schemas.microsoft.com/office/drawing/2014/main" val="3898585991"/>
+                  </a:ext>
+                </a:extLst>
+              </a:tr>
+              <a:tr h="300286">
+                <a:tc>
+                  <a:txBody>
+                    <a:bodyPr/>
+                    <a:lstStyle/>
+                    <a:p>
+                      <a:pPr marL="0" marR="0" lvl="0" indent="0" algn="ctr" defTabSz="914400" rtl="0" eaLnBrk="1" fontAlgn="base" latinLnBrk="0" hangingPunct="1">
+                        <a:lnSpc>
+                          <a:spcPct val="160000"/>
+                        </a:lnSpc>
+                        <a:spcBef>
+                          <a:spcPts val="0"/>
+                        </a:spcBef>
+                        <a:spcAft>
+                          <a:spcPts val="0"/>
+                        </a:spcAft>
+                        <a:buClrTx/>
+                        <a:buSzTx/>
+                        <a:buFontTx/>
+                        <a:buNone/>
+                        <a:tabLst/>
+                        <a:defRPr/>
+                      </a:pPr>
+                      <a:r>
+                        <a:rPr lang="en-US" altLang="ko-KR" sz="1000" kern="0" spc="0" dirty="0">
+                          <a:solidFill>
+                            <a:srgbClr val="000000"/>
+                          </a:solidFill>
+                          <a:effectLst/>
+                          <a:latin typeface="함초롬바탕" panose="02030604000101010101" pitchFamily="18" charset="-127"/>
+                        </a:rPr>
+                        <a:t>/exp</a:t>
+                      </a:r>
+                      <a:endParaRPr lang="ko-KR" altLang="en-US" sz="1000" kern="0" spc="0" dirty="0">
+                        <a:solidFill>
+                          <a:srgbClr val="000000"/>
+                        </a:solidFill>
+                        <a:effectLst/>
+                        <a:latin typeface="함초롬바탕" panose="02030604000101010101" pitchFamily="18" charset="-127"/>
+                      </a:endParaRPr>
+                    </a:p>
+                  </a:txBody>
+                  <a:tcPr marL="64770" marR="64770" marT="17907" marB="17907" anchor="ctr">
+                    <a:lnL w="3556" cap="flat" cmpd="sng" algn="ctr">
+                      <a:solidFill>
+                        <a:srgbClr val="000000"/>
+                      </a:solidFill>
+                      <a:prstDash val="solid"/>
+                      <a:round/>
+                      <a:headEnd type="none" w="med" len="med"/>
+                      <a:tailEnd type="none" w="med" len="med"/>
+                    </a:lnL>
+                    <a:lnR w="3556" cap="flat" cmpd="sng" algn="ctr">
+                      <a:solidFill>
+                        <a:srgbClr val="000000"/>
+                      </a:solidFill>
+                      <a:prstDash val="solid"/>
+                      <a:round/>
+                      <a:headEnd type="none" w="med" len="med"/>
+                      <a:tailEnd type="none" w="med" len="med"/>
+                    </a:lnR>
+                    <a:lnT w="3556" cap="flat" cmpd="sng" algn="ctr">
+                      <a:solidFill>
+                        <a:srgbClr val="000000"/>
+                      </a:solidFill>
+                      <a:prstDash val="solid"/>
+                      <a:round/>
+                      <a:headEnd type="none" w="med" len="med"/>
+                      <a:tailEnd type="none" w="med" len="med"/>
+                    </a:lnT>
+                    <a:lnB w="3556" cap="flat" cmpd="sng" algn="ctr">
+                      <a:solidFill>
+                        <a:srgbClr val="000000"/>
+                      </a:solidFill>
+                      <a:prstDash val="solid"/>
+                      <a:round/>
+                      <a:headEnd type="none" w="med" len="med"/>
+                      <a:tailEnd type="none" w="med" len="med"/>
+                    </a:lnB>
+                  </a:tcPr>
+                </a:tc>
+                <a:tc>
+                  <a:txBody>
+                    <a:bodyPr/>
+                    <a:lstStyle/>
+                    <a:p>
+                      <a:pPr marL="0" marR="0" indent="0" algn="l" fontAlgn="base" latinLnBrk="0">
+                        <a:lnSpc>
+                          <a:spcPct val="160000"/>
+                        </a:lnSpc>
+                        <a:spcBef>
+                          <a:spcPts val="0"/>
+                        </a:spcBef>
+                        <a:spcAft>
+                          <a:spcPts val="0"/>
+                        </a:spcAft>
+                      </a:pPr>
+                      <a:r>
+                        <a:rPr lang="en-US" altLang="ko-KR" sz="1000" kern="0" spc="0" dirty="0">
+                          <a:solidFill>
+                            <a:srgbClr val="000000"/>
+                          </a:solidFill>
+                          <a:effectLst/>
+                          <a:latin typeface="함초롬바탕" panose="02030604000101010101" pitchFamily="18" charset="-127"/>
+                        </a:rPr>
+                        <a:t>‘exp’ </a:t>
+                      </a:r>
+                      <a:r>
+                        <a:rPr lang="ko-KR" altLang="en-US" sz="1000" kern="0" spc="0" dirty="0">
+                          <a:solidFill>
+                            <a:srgbClr val="000000"/>
+                          </a:solidFill>
+                          <a:effectLst/>
+                          <a:latin typeface="함초롬바탕" panose="02030604000101010101" pitchFamily="18" charset="-127"/>
+                        </a:rPr>
+                        <a:t>와 같은 문자열을 현재 커서가 위치한 곳부터 아래 방향으로 검색</a:t>
+                      </a:r>
+                      <a:endParaRPr lang="en-US" altLang="ko-KR" sz="1000" kern="0" spc="0" dirty="0">
+                        <a:solidFill>
+                          <a:srgbClr val="000000"/>
+                        </a:solidFill>
+                        <a:effectLst/>
+                        <a:latin typeface="함초롬바탕" panose="02030604000101010101" pitchFamily="18" charset="-127"/>
+                      </a:endParaRPr>
+                    </a:p>
+                  </a:txBody>
+                  <a:tcPr marL="64770" marR="64770" marT="17907" marB="17907" anchor="ctr">
+                    <a:lnL w="3556" cap="flat" cmpd="sng" algn="ctr">
+                      <a:solidFill>
+                        <a:srgbClr val="000000"/>
+                      </a:solidFill>
+                      <a:prstDash val="solid"/>
+                      <a:round/>
+                      <a:headEnd type="none" w="med" len="med"/>
+                      <a:tailEnd type="none" w="med" len="med"/>
+                    </a:lnL>
+                    <a:lnR w="3556" cap="flat" cmpd="sng" algn="ctr">
+                      <a:solidFill>
+                        <a:srgbClr val="000000"/>
+                      </a:solidFill>
+                      <a:prstDash val="solid"/>
+                      <a:round/>
+                      <a:headEnd type="none" w="med" len="med"/>
+                      <a:tailEnd type="none" w="med" len="med"/>
+                    </a:lnR>
+                    <a:lnT w="3556" cap="flat" cmpd="sng" algn="ctr">
+                      <a:solidFill>
+                        <a:srgbClr val="000000"/>
+                      </a:solidFill>
+                      <a:prstDash val="solid"/>
+                      <a:round/>
+                      <a:headEnd type="none" w="med" len="med"/>
+                      <a:tailEnd type="none" w="med" len="med"/>
+                    </a:lnT>
+                    <a:lnB w="3556" cap="flat" cmpd="sng" algn="ctr">
+                      <a:solidFill>
+                        <a:srgbClr val="000000"/>
+                      </a:solidFill>
+                      <a:prstDash val="solid"/>
+                      <a:round/>
+                      <a:headEnd type="none" w="med" len="med"/>
+                      <a:tailEnd type="none" w="med" len="med"/>
+                    </a:lnB>
+                  </a:tcPr>
+                </a:tc>
+                <a:extLst>
+                  <a:ext uri="{0D108BD9-81ED-4DB2-BD59-A6C34878D82A}">
+                    <a16:rowId xmlns:a16="http://schemas.microsoft.com/office/drawing/2014/main" val="1384651176"/>
+                  </a:ext>
+                </a:extLst>
+              </a:tr>
+              <a:tr h="158018">
+                <a:tc>
+                  <a:txBody>
+                    <a:bodyPr/>
+                    <a:lstStyle/>
+                    <a:p>
+                      <a:pPr marL="0" marR="0" lvl="0" indent="0" algn="ctr" defTabSz="914400" rtl="0" eaLnBrk="1" fontAlgn="base" latinLnBrk="0" hangingPunct="1">
+                        <a:lnSpc>
+                          <a:spcPct val="160000"/>
+                        </a:lnSpc>
+                        <a:spcBef>
+                          <a:spcPts val="0"/>
+                        </a:spcBef>
+                        <a:spcAft>
+                          <a:spcPts val="0"/>
+                        </a:spcAft>
+                        <a:buClrTx/>
+                        <a:buSzTx/>
+                        <a:buFontTx/>
+                        <a:buNone/>
+                        <a:tabLst/>
+                        <a:defRPr/>
+                      </a:pPr>
+                      <a:r>
+                        <a:rPr lang="en-US" altLang="ko-KR" sz="1000" dirty="0"/>
+                        <a:t>?exp</a:t>
+                      </a:r>
+                    </a:p>
+                  </a:txBody>
+                  <a:tcPr marL="64770" marR="64770" marT="17907" marB="17907" anchor="ctr">
+                    <a:lnL w="3556" cap="flat" cmpd="sng" algn="ctr">
+                      <a:solidFill>
+                        <a:srgbClr val="000000"/>
+                      </a:solidFill>
+                      <a:prstDash val="solid"/>
+                      <a:round/>
+                      <a:headEnd type="none" w="med" len="med"/>
+                      <a:tailEnd type="none" w="med" len="med"/>
+                    </a:lnL>
+                    <a:lnR w="3556" cap="flat" cmpd="sng" algn="ctr">
+                      <a:solidFill>
+                        <a:srgbClr val="000000"/>
+                      </a:solidFill>
+                      <a:prstDash val="solid"/>
+                      <a:round/>
+                      <a:headEnd type="none" w="med" len="med"/>
+                      <a:tailEnd type="none" w="med" len="med"/>
+                    </a:lnR>
+                    <a:lnT w="3556" cap="flat" cmpd="sng" algn="ctr">
+                      <a:solidFill>
+                        <a:srgbClr val="000000"/>
+                      </a:solidFill>
+                      <a:prstDash val="solid"/>
+                      <a:round/>
+                      <a:headEnd type="none" w="med" len="med"/>
+                      <a:tailEnd type="none" w="med" len="med"/>
+                    </a:lnT>
+                    <a:lnB w="3556" cap="flat" cmpd="sng" algn="ctr">
+                      <a:solidFill>
+                        <a:srgbClr val="000000"/>
+                      </a:solidFill>
+                      <a:prstDash val="solid"/>
+                      <a:round/>
+                      <a:headEnd type="none" w="med" len="med"/>
+                      <a:tailEnd type="none" w="med" len="med"/>
+                    </a:lnB>
+                  </a:tcPr>
+                </a:tc>
+                <a:tc>
+                  <a:txBody>
+                    <a:bodyPr/>
+                    <a:lstStyle/>
+                    <a:p>
+                      <a:pPr marL="0" marR="0" lvl="0" indent="0" algn="l" defTabSz="914400" rtl="0" eaLnBrk="1" fontAlgn="base" latinLnBrk="0" hangingPunct="1">
+                        <a:lnSpc>
+                          <a:spcPct val="160000"/>
+                        </a:lnSpc>
+                        <a:spcBef>
+                          <a:spcPts val="0"/>
+                        </a:spcBef>
+                        <a:spcAft>
+                          <a:spcPts val="0"/>
+                        </a:spcAft>
+                        <a:buClrTx/>
+                        <a:buSzTx/>
+                        <a:buFontTx/>
+                        <a:buNone/>
+                        <a:tabLst/>
+                        <a:defRPr/>
+                      </a:pPr>
+                      <a:r>
+                        <a:rPr lang="en-US" altLang="ko-KR" sz="1000" kern="0" spc="0" dirty="0">
+                          <a:solidFill>
+                            <a:srgbClr val="000000"/>
+                          </a:solidFill>
+                          <a:effectLst/>
+                          <a:latin typeface="함초롬바탕" panose="02030604000101010101" pitchFamily="18" charset="-127"/>
+                        </a:rPr>
+                        <a:t>‘exp’ </a:t>
+                      </a:r>
+                      <a:r>
+                        <a:rPr lang="ko-KR" altLang="en-US" sz="1000" kern="0" spc="0" dirty="0">
+                          <a:solidFill>
+                            <a:srgbClr val="000000"/>
+                          </a:solidFill>
+                          <a:effectLst/>
+                          <a:latin typeface="함초롬바탕" panose="02030604000101010101" pitchFamily="18" charset="-127"/>
+                        </a:rPr>
+                        <a:t>와 같은 문자열을 뒤에서부터 </a:t>
+                      </a:r>
+                      <a:r>
+                        <a:rPr lang="ko-KR" altLang="en-US" sz="1000" kern="0" spc="0" dirty="0" err="1">
+                          <a:solidFill>
+                            <a:srgbClr val="000000"/>
+                          </a:solidFill>
+                          <a:effectLst/>
+                          <a:latin typeface="함초롬바탕" panose="02030604000101010101" pitchFamily="18" charset="-127"/>
+                        </a:rPr>
+                        <a:t>윗</a:t>
+                      </a:r>
+                      <a:r>
+                        <a:rPr lang="ko-KR" altLang="en-US" sz="1000" kern="0" spc="0" dirty="0">
+                          <a:solidFill>
+                            <a:srgbClr val="000000"/>
+                          </a:solidFill>
+                          <a:effectLst/>
+                          <a:latin typeface="함초롬바탕" panose="02030604000101010101" pitchFamily="18" charset="-127"/>
+                        </a:rPr>
+                        <a:t> 방향으로 검색</a:t>
+                      </a:r>
+                      <a:endParaRPr lang="en-US" altLang="ko-KR" sz="1000" kern="0" spc="0" dirty="0">
+                        <a:solidFill>
+                          <a:srgbClr val="000000"/>
+                        </a:solidFill>
+                        <a:effectLst/>
+                        <a:latin typeface="함초롬바탕" panose="02030604000101010101" pitchFamily="18" charset="-127"/>
+                      </a:endParaRPr>
+                    </a:p>
+                  </a:txBody>
+                  <a:tcPr marL="64770" marR="64770" marT="17907" marB="17907" anchor="ctr">
+                    <a:lnL w="3556" cap="flat" cmpd="sng" algn="ctr">
+                      <a:solidFill>
+                        <a:srgbClr val="000000"/>
+                      </a:solidFill>
+                      <a:prstDash val="solid"/>
+                      <a:round/>
+                      <a:headEnd type="none" w="med" len="med"/>
+                      <a:tailEnd type="none" w="med" len="med"/>
+                    </a:lnL>
+                    <a:lnR w="3556" cap="flat" cmpd="sng" algn="ctr">
+                      <a:solidFill>
+                        <a:srgbClr val="000000"/>
+                      </a:solidFill>
+                      <a:prstDash val="solid"/>
+                      <a:round/>
+                      <a:headEnd type="none" w="med" len="med"/>
+                      <a:tailEnd type="none" w="med" len="med"/>
+                    </a:lnR>
+                    <a:lnT w="3556" cap="flat" cmpd="sng" algn="ctr">
+                      <a:solidFill>
+                        <a:srgbClr val="000000"/>
+                      </a:solidFill>
+                      <a:prstDash val="solid"/>
+                      <a:round/>
+                      <a:headEnd type="none" w="med" len="med"/>
+                      <a:tailEnd type="none" w="med" len="med"/>
+                    </a:lnT>
+                    <a:lnB w="3556" cap="flat" cmpd="sng" algn="ctr">
+                      <a:solidFill>
+                        <a:srgbClr val="000000"/>
+                      </a:solidFill>
+                      <a:prstDash val="solid"/>
+                      <a:round/>
+                      <a:headEnd type="none" w="med" len="med"/>
+                      <a:tailEnd type="none" w="med" len="med"/>
+                    </a:lnB>
+                  </a:tcPr>
+                </a:tc>
+                <a:extLst>
+                  <a:ext uri="{0D108BD9-81ED-4DB2-BD59-A6C34878D82A}">
+                    <a16:rowId xmlns:a16="http://schemas.microsoft.com/office/drawing/2014/main" val="1060401460"/>
+                  </a:ext>
+                </a:extLst>
+              </a:tr>
+              <a:tr h="157570">
+                <a:tc>
+                  <a:txBody>
+                    <a:bodyPr/>
+                    <a:lstStyle/>
+                    <a:p>
+                      <a:pPr marL="0" marR="0" lvl="0" indent="0" algn="ctr" defTabSz="914400" rtl="0" eaLnBrk="1" fontAlgn="base" latinLnBrk="0" hangingPunct="1">
+                        <a:lnSpc>
+                          <a:spcPct val="160000"/>
+                        </a:lnSpc>
+                        <a:spcBef>
+                          <a:spcPts val="0"/>
+                        </a:spcBef>
+                        <a:spcAft>
+                          <a:spcPts val="0"/>
+                        </a:spcAft>
+                        <a:buClrTx/>
+                        <a:buSzTx/>
+                        <a:buFontTx/>
+                        <a:buNone/>
+                        <a:tabLst/>
+                        <a:defRPr/>
+                      </a:pPr>
+                      <a:r>
+                        <a:rPr lang="en-US" altLang="ko-KR" sz="1000" kern="0" spc="0" dirty="0">
+                          <a:solidFill>
+                            <a:srgbClr val="000000"/>
+                          </a:solidFill>
+                          <a:effectLst/>
+                          <a:latin typeface="함초롬바탕" panose="02030604000101010101" pitchFamily="18" charset="-127"/>
+                        </a:rPr>
+                        <a:t>n</a:t>
+                      </a:r>
+                      <a:endParaRPr lang="ko-KR" altLang="en-US" sz="1000" kern="0" spc="0" dirty="0">
+                        <a:solidFill>
+                          <a:srgbClr val="000000"/>
+                        </a:solidFill>
+                        <a:effectLst/>
+                        <a:latin typeface="함초롬바탕" panose="02030604000101010101" pitchFamily="18" charset="-127"/>
+                      </a:endParaRPr>
+                    </a:p>
+                  </a:txBody>
+                  <a:tcPr marL="64770" marR="64770" marT="17907" marB="17907" anchor="ctr">
+                    <a:lnL w="3556" cap="flat" cmpd="sng" algn="ctr">
+                      <a:solidFill>
+                        <a:srgbClr val="000000"/>
+                      </a:solidFill>
+                      <a:prstDash val="solid"/>
+                      <a:round/>
+                      <a:headEnd type="none" w="med" len="med"/>
+                      <a:tailEnd type="none" w="med" len="med"/>
+                    </a:lnL>
+                    <a:lnR w="3556" cap="flat" cmpd="sng" algn="ctr">
+                      <a:solidFill>
+                        <a:srgbClr val="000000"/>
+                      </a:solidFill>
+                      <a:prstDash val="solid"/>
+                      <a:round/>
+                      <a:headEnd type="none" w="med" len="med"/>
+                      <a:tailEnd type="none" w="med" len="med"/>
+                    </a:lnR>
+                    <a:lnT w="3556" cap="flat" cmpd="sng" algn="ctr">
+                      <a:solidFill>
+                        <a:srgbClr val="000000"/>
+                      </a:solidFill>
+                      <a:prstDash val="solid"/>
+                      <a:round/>
+                      <a:headEnd type="none" w="med" len="med"/>
+                      <a:tailEnd type="none" w="med" len="med"/>
+                    </a:lnT>
+                    <a:lnB w="3556" cap="flat" cmpd="sng" algn="ctr">
+                      <a:solidFill>
+                        <a:srgbClr val="000000"/>
+                      </a:solidFill>
+                      <a:prstDash val="solid"/>
+                      <a:round/>
+                      <a:headEnd type="none" w="med" len="med"/>
+                      <a:tailEnd type="none" w="med" len="med"/>
+                    </a:lnB>
+                  </a:tcPr>
+                </a:tc>
+                <a:tc>
+                  <a:txBody>
+                    <a:bodyPr/>
+                    <a:lstStyle/>
+                    <a:p>
+                      <a:pPr marL="0" marR="0" lvl="0" indent="0" algn="l" defTabSz="914400" rtl="0" eaLnBrk="1" fontAlgn="base" latinLnBrk="0" hangingPunct="1">
+                        <a:lnSpc>
+                          <a:spcPct val="160000"/>
+                        </a:lnSpc>
+                        <a:spcBef>
+                          <a:spcPts val="0"/>
+                        </a:spcBef>
+                        <a:spcAft>
+                          <a:spcPts val="0"/>
+                        </a:spcAft>
+                        <a:buClrTx/>
+                        <a:buSzTx/>
+                        <a:buFontTx/>
+                        <a:buNone/>
+                        <a:tabLst/>
+                        <a:defRPr/>
+                      </a:pPr>
+                      <a:r>
+                        <a:rPr lang="ko-KR" altLang="en-US" sz="1000" kern="0" spc="0" dirty="0">
+                          <a:solidFill>
+                            <a:srgbClr val="000000"/>
+                          </a:solidFill>
+                          <a:effectLst/>
+                          <a:latin typeface="함초롬바탕" panose="02030604000101010101" pitchFamily="18" charset="-127"/>
+                        </a:rPr>
+                        <a:t>찾은 문자 중에서 다음 문자로 이동</a:t>
+                      </a:r>
+                      <a:endParaRPr lang="en-US" altLang="ko-KR" sz="1000" kern="0" spc="0" dirty="0">
+                        <a:solidFill>
+                          <a:srgbClr val="000000"/>
+                        </a:solidFill>
+                        <a:effectLst/>
+                        <a:latin typeface="함초롬바탕" panose="02030604000101010101" pitchFamily="18" charset="-127"/>
+                      </a:endParaRPr>
+                    </a:p>
+                  </a:txBody>
+                  <a:tcPr marL="64770" marR="64770" marT="17907" marB="17907" anchor="ctr">
+                    <a:lnL w="3556" cap="flat" cmpd="sng" algn="ctr">
+                      <a:solidFill>
+                        <a:srgbClr val="000000"/>
+                      </a:solidFill>
+                      <a:prstDash val="solid"/>
+                      <a:round/>
+                      <a:headEnd type="none" w="med" len="med"/>
+                      <a:tailEnd type="none" w="med" len="med"/>
+                    </a:lnL>
+                    <a:lnR w="3556" cap="flat" cmpd="sng" algn="ctr">
+                      <a:solidFill>
+                        <a:srgbClr val="000000"/>
+                      </a:solidFill>
+                      <a:prstDash val="solid"/>
+                      <a:round/>
+                      <a:headEnd type="none" w="med" len="med"/>
+                      <a:tailEnd type="none" w="med" len="med"/>
+                    </a:lnR>
+                    <a:lnT w="3556" cap="flat" cmpd="sng" algn="ctr">
+                      <a:solidFill>
+                        <a:srgbClr val="000000"/>
+                      </a:solidFill>
+                      <a:prstDash val="solid"/>
+                      <a:round/>
+                      <a:headEnd type="none" w="med" len="med"/>
+                      <a:tailEnd type="none" w="med" len="med"/>
+                    </a:lnT>
+                    <a:lnB w="3556" cap="flat" cmpd="sng" algn="ctr">
+                      <a:solidFill>
+                        <a:srgbClr val="000000"/>
+                      </a:solidFill>
+                      <a:prstDash val="solid"/>
+                      <a:round/>
+                      <a:headEnd type="none" w="med" len="med"/>
+                      <a:tailEnd type="none" w="med" len="med"/>
+                    </a:lnB>
+                  </a:tcPr>
+                </a:tc>
+                <a:extLst>
+                  <a:ext uri="{0D108BD9-81ED-4DB2-BD59-A6C34878D82A}">
+                    <a16:rowId xmlns:a16="http://schemas.microsoft.com/office/drawing/2014/main" val="4047518544"/>
+                  </a:ext>
+                </a:extLst>
+              </a:tr>
+              <a:tr h="157570">
+                <a:tc>
+                  <a:txBody>
+                    <a:bodyPr/>
+                    <a:lstStyle/>
+                    <a:p>
+                      <a:pPr marL="0" marR="0" indent="0" algn="ctr" fontAlgn="base" latinLnBrk="0">
+                        <a:lnSpc>
+                          <a:spcPct val="160000"/>
+                        </a:lnSpc>
+                        <a:spcBef>
+                          <a:spcPts val="0"/>
+                        </a:spcBef>
+                        <a:spcAft>
+                          <a:spcPts val="0"/>
+                        </a:spcAft>
+                      </a:pPr>
+                      <a:r>
+                        <a:rPr lang="en-US" altLang="ko-KR" sz="1000" kern="0" spc="0" dirty="0">
+                          <a:solidFill>
+                            <a:srgbClr val="000000"/>
+                          </a:solidFill>
+                          <a:effectLst/>
+                          <a:latin typeface="함초롬바탕" panose="02030604000101010101" pitchFamily="18" charset="-127"/>
+                        </a:rPr>
+                        <a:t>N,</a:t>
+                      </a:r>
+                      <a:r>
+                        <a:rPr lang="ko-KR" altLang="en-US" sz="1000" kern="0" spc="0" dirty="0">
+                          <a:solidFill>
+                            <a:srgbClr val="000000"/>
+                          </a:solidFill>
+                          <a:effectLst/>
+                          <a:latin typeface="함초롬바탕" panose="02030604000101010101" pitchFamily="18" charset="-127"/>
+                        </a:rPr>
+                        <a:t> </a:t>
+                      </a:r>
+                      <a:r>
+                        <a:rPr lang="en-US" altLang="ko-KR" sz="1000" kern="0" spc="0" dirty="0">
+                          <a:solidFill>
+                            <a:srgbClr val="000000"/>
+                          </a:solidFill>
+                          <a:effectLst/>
+                          <a:latin typeface="함초롬바탕" panose="02030604000101010101" pitchFamily="18" charset="-127"/>
+                        </a:rPr>
+                        <a:t>shift + n</a:t>
+                      </a:r>
+                      <a:endParaRPr lang="ko-KR" altLang="en-US" sz="1000" kern="0" spc="0" dirty="0">
+                        <a:solidFill>
+                          <a:srgbClr val="000000"/>
+                        </a:solidFill>
+                        <a:effectLst/>
+                        <a:latin typeface="함초롬바탕" panose="02030604000101010101" pitchFamily="18" charset="-127"/>
+                      </a:endParaRPr>
+                    </a:p>
+                  </a:txBody>
+                  <a:tcPr marL="64770" marR="64770" marT="17907" marB="17907" anchor="ctr">
+                    <a:lnL w="3556" cap="flat" cmpd="sng" algn="ctr">
+                      <a:solidFill>
+                        <a:srgbClr val="000000"/>
+                      </a:solidFill>
+                      <a:prstDash val="solid"/>
+                      <a:round/>
+                      <a:headEnd type="none" w="med" len="med"/>
+                      <a:tailEnd type="none" w="med" len="med"/>
+                    </a:lnL>
+                    <a:lnR w="3556" cap="flat" cmpd="sng" algn="ctr">
+                      <a:solidFill>
+                        <a:srgbClr val="000000"/>
+                      </a:solidFill>
+                      <a:prstDash val="solid"/>
+                      <a:round/>
+                      <a:headEnd type="none" w="med" len="med"/>
+                      <a:tailEnd type="none" w="med" len="med"/>
+                    </a:lnR>
+                    <a:lnT w="3556" cap="flat" cmpd="sng" algn="ctr">
+                      <a:solidFill>
+                        <a:srgbClr val="000000"/>
+                      </a:solidFill>
+                      <a:prstDash val="solid"/>
+                      <a:round/>
+                      <a:headEnd type="none" w="med" len="med"/>
+                      <a:tailEnd type="none" w="med" len="med"/>
+                    </a:lnT>
+                    <a:lnB w="3556" cap="flat" cmpd="sng" algn="ctr">
+                      <a:solidFill>
+                        <a:srgbClr val="000000"/>
+                      </a:solidFill>
+                      <a:prstDash val="solid"/>
+                      <a:round/>
+                      <a:headEnd type="none" w="med" len="med"/>
+                      <a:tailEnd type="none" w="med" len="med"/>
+                    </a:lnB>
+                  </a:tcPr>
+                </a:tc>
+                <a:tc>
+                  <a:txBody>
+                    <a:bodyPr/>
+                    <a:lstStyle/>
+                    <a:p>
+                      <a:pPr marL="0" marR="0" indent="0" algn="l" fontAlgn="base" latinLnBrk="0">
+                        <a:lnSpc>
+                          <a:spcPct val="160000"/>
+                        </a:lnSpc>
+                        <a:spcBef>
+                          <a:spcPts val="0"/>
+                        </a:spcBef>
+                        <a:spcAft>
+                          <a:spcPts val="0"/>
+                        </a:spcAft>
+                      </a:pPr>
+                      <a:r>
+                        <a:rPr lang="ko-KR" altLang="en-US" sz="1000" kern="0" spc="0" dirty="0">
+                          <a:solidFill>
+                            <a:srgbClr val="000000"/>
+                          </a:solidFill>
+                          <a:effectLst/>
+                          <a:latin typeface="함초롬바탕" panose="02030604000101010101" pitchFamily="18" charset="-127"/>
+                        </a:rPr>
+                        <a:t>찾은 문자 중에서 이전 문자로 이동</a:t>
+                      </a:r>
+                      <a:endParaRPr lang="en-US" sz="1000" kern="0" spc="0" dirty="0">
+                        <a:solidFill>
+                          <a:srgbClr val="000000"/>
+                        </a:solidFill>
+                        <a:effectLst/>
+                        <a:latin typeface="함초롬바탕" panose="02030604000101010101" pitchFamily="18" charset="-127"/>
+                      </a:endParaRPr>
+                    </a:p>
+                  </a:txBody>
+                  <a:tcPr marL="64770" marR="64770" marT="17907" marB="17907" anchor="ctr">
+                    <a:lnL w="3556" cap="flat" cmpd="sng" algn="ctr">
+                      <a:solidFill>
+                        <a:srgbClr val="000000"/>
+                      </a:solidFill>
+                      <a:prstDash val="solid"/>
+                      <a:round/>
+                      <a:headEnd type="none" w="med" len="med"/>
+                      <a:tailEnd type="none" w="med" len="med"/>
+                    </a:lnL>
+                    <a:lnR w="3556" cap="flat" cmpd="sng" algn="ctr">
+                      <a:solidFill>
+                        <a:srgbClr val="000000"/>
+                      </a:solidFill>
+                      <a:prstDash val="solid"/>
+                      <a:round/>
+                      <a:headEnd type="none" w="med" len="med"/>
+                      <a:tailEnd type="none" w="med" len="med"/>
+                    </a:lnR>
+                    <a:lnT w="3556" cap="flat" cmpd="sng" algn="ctr">
+                      <a:solidFill>
+                        <a:srgbClr val="000000"/>
+                      </a:solidFill>
+                      <a:prstDash val="solid"/>
+                      <a:round/>
+                      <a:headEnd type="none" w="med" len="med"/>
+                      <a:tailEnd type="none" w="med" len="med"/>
+                    </a:lnT>
+                    <a:lnB w="3556" cap="flat" cmpd="sng" algn="ctr">
+                      <a:solidFill>
+                        <a:srgbClr val="000000"/>
+                      </a:solidFill>
+                      <a:prstDash val="solid"/>
+                      <a:round/>
+                      <a:headEnd type="none" w="med" len="med"/>
+                      <a:tailEnd type="none" w="med" len="med"/>
+                    </a:lnB>
+                  </a:tcPr>
+                </a:tc>
+                <a:extLst>
+                  <a:ext uri="{0D108BD9-81ED-4DB2-BD59-A6C34878D82A}">
+                    <a16:rowId xmlns:a16="http://schemas.microsoft.com/office/drawing/2014/main" val="836233967"/>
+                  </a:ext>
+                </a:extLst>
+              </a:tr>
+            </a:tbl>
+          </a:graphicData>
+        </a:graphic>
+      </p:graphicFrame>
+    </p:spTree>
+    <p:extLst>
+      <p:ext uri="{BB962C8B-B14F-4D97-AF65-F5344CB8AC3E}">
+        <p14:creationId xmlns:p14="http://schemas.microsoft.com/office/powerpoint/2010/main" val="3143834977"/>
+      </p:ext>
+    </p:extLst>
+  </p:cSld>
+  <p:clrMapOvr>
+    <a:masterClrMapping/>
+  </p:clrMapOvr>
+</p:sld>
+</file>
+
 <file path=ppt/slides/slide3.xml><?xml version="1.0" encoding="utf-8"?>
 <p:sld xmlns:a="http://schemas.openxmlformats.org/drawingml/2006/main" xmlns:r="http://schemas.openxmlformats.org/officeDocument/2006/relationships" xmlns:p="http://schemas.openxmlformats.org/presentationml/2006/main">
   <p:cSld>
